--- a/Documentation/Presentation2.pptx
+++ b/Documentation/Presentation2.pptx
@@ -4,6 +4,9 @@
   <p:sldMasterIdLst>
     <p:sldMasterId id="2147483660" r:id="rId1"/>
   </p:sldMasterIdLst>
+  <p:handoutMasterIdLst>
+    <p:handoutMasterId r:id="rId20"/>
+  </p:handoutMasterIdLst>
   <p:sldIdLst>
     <p:sldId id="256" r:id="rId2"/>
     <p:sldId id="257" r:id="rId3"/>
@@ -12,15 +15,17 @@
     <p:sldId id="258" r:id="rId6"/>
     <p:sldId id="276" r:id="rId7"/>
     <p:sldId id="263" r:id="rId8"/>
-    <p:sldId id="260" r:id="rId9"/>
-    <p:sldId id="262" r:id="rId10"/>
-    <p:sldId id="261" r:id="rId11"/>
-    <p:sldId id="272" r:id="rId12"/>
-    <p:sldId id="266" r:id="rId13"/>
-    <p:sldId id="265" r:id="rId14"/>
-    <p:sldId id="273" r:id="rId15"/>
-    <p:sldId id="275" r:id="rId16"/>
-    <p:sldId id="271" r:id="rId17"/>
+    <p:sldId id="277" r:id="rId9"/>
+    <p:sldId id="260" r:id="rId10"/>
+    <p:sldId id="262" r:id="rId11"/>
+    <p:sldId id="261" r:id="rId12"/>
+    <p:sldId id="272" r:id="rId13"/>
+    <p:sldId id="266" r:id="rId14"/>
+    <p:sldId id="265" r:id="rId15"/>
+    <p:sldId id="278" r:id="rId16"/>
+    <p:sldId id="273" r:id="rId17"/>
+    <p:sldId id="275" r:id="rId18"/>
+    <p:sldId id="271" r:id="rId19"/>
   </p:sldIdLst>
   <p:sldSz cx="9144000" cy="6858000" type="screen4x3"/>
   <p:notesSz cx="6858000" cy="9144000"/>
@@ -1113,6 +1118,13 @@
         </dgm:presLayoutVars>
       </dgm:prSet>
       <dgm:spPr/>
+      <dgm:t>
+        <a:bodyPr/>
+        <a:lstStyle/>
+        <a:p>
+          <a:endParaRPr lang="en-US"/>
+        </a:p>
+      </dgm:t>
     </dgm:pt>
     <dgm:pt modelId="{615156A1-29D1-B146-905A-BA042F947061}" type="pres">
       <dgm:prSet presAssocID="{E5EF9F5E-D343-C94E-89AE-44D2161960E2}" presName="node" presStyleLbl="node1" presStyleIdx="0" presStyleCnt="6">
@@ -1132,10 +1144,24 @@
     <dgm:pt modelId="{9F340DF1-734C-2148-A610-84795A4B4209}" type="pres">
       <dgm:prSet presAssocID="{DE5EE33B-A777-C848-B9CB-E1EB2BF66FB9}" presName="sibTrans" presStyleLbl="sibTrans2D1" presStyleIdx="0" presStyleCnt="6"/>
       <dgm:spPr/>
+      <dgm:t>
+        <a:bodyPr/>
+        <a:lstStyle/>
+        <a:p>
+          <a:endParaRPr lang="en-US"/>
+        </a:p>
+      </dgm:t>
     </dgm:pt>
     <dgm:pt modelId="{CAB34FC8-CC68-114D-8544-C499147C598D}" type="pres">
       <dgm:prSet presAssocID="{DE5EE33B-A777-C848-B9CB-E1EB2BF66FB9}" presName="connectorText" presStyleLbl="sibTrans2D1" presStyleIdx="0" presStyleCnt="6"/>
       <dgm:spPr/>
+      <dgm:t>
+        <a:bodyPr/>
+        <a:lstStyle/>
+        <a:p>
+          <a:endParaRPr lang="en-US"/>
+        </a:p>
+      </dgm:t>
     </dgm:pt>
     <dgm:pt modelId="{6151DF35-FB25-E641-A93A-F9C077603864}" type="pres">
       <dgm:prSet presAssocID="{8F8DCA44-315C-8C47-964C-15409244BF2E}" presName="node" presStyleLbl="node1" presStyleIdx="1" presStyleCnt="6">
@@ -1155,10 +1181,24 @@
     <dgm:pt modelId="{9B1881E4-0847-4F41-9339-5F5BFDBB2B61}" type="pres">
       <dgm:prSet presAssocID="{9FC8FA7D-5F30-BC40-B0D2-8F17E0DC8B61}" presName="sibTrans" presStyleLbl="sibTrans2D1" presStyleIdx="1" presStyleCnt="6"/>
       <dgm:spPr/>
+      <dgm:t>
+        <a:bodyPr/>
+        <a:lstStyle/>
+        <a:p>
+          <a:endParaRPr lang="en-US"/>
+        </a:p>
+      </dgm:t>
     </dgm:pt>
     <dgm:pt modelId="{B9364B23-173C-AD4B-B566-8B3CA409269A}" type="pres">
       <dgm:prSet presAssocID="{9FC8FA7D-5F30-BC40-B0D2-8F17E0DC8B61}" presName="connectorText" presStyleLbl="sibTrans2D1" presStyleIdx="1" presStyleCnt="6"/>
       <dgm:spPr/>
+      <dgm:t>
+        <a:bodyPr/>
+        <a:lstStyle/>
+        <a:p>
+          <a:endParaRPr lang="en-US"/>
+        </a:p>
+      </dgm:t>
     </dgm:pt>
     <dgm:pt modelId="{982717DA-0E5C-EB49-9DF1-1BCD460FEAF5}" type="pres">
       <dgm:prSet presAssocID="{6524AE8D-5893-0D45-9759-A39A3544C9FA}" presName="node" presStyleLbl="node1" presStyleIdx="2" presStyleCnt="6">
@@ -1178,10 +1218,24 @@
     <dgm:pt modelId="{3DCDFFE7-3D91-3C4F-B4E8-FDD365334A22}" type="pres">
       <dgm:prSet presAssocID="{BF87F07D-96F6-814D-9E97-B1745C375158}" presName="sibTrans" presStyleLbl="sibTrans2D1" presStyleIdx="2" presStyleCnt="6"/>
       <dgm:spPr/>
+      <dgm:t>
+        <a:bodyPr/>
+        <a:lstStyle/>
+        <a:p>
+          <a:endParaRPr lang="en-US"/>
+        </a:p>
+      </dgm:t>
     </dgm:pt>
     <dgm:pt modelId="{728E7C76-2B29-404A-A2C5-B6F8F2E02006}" type="pres">
       <dgm:prSet presAssocID="{BF87F07D-96F6-814D-9E97-B1745C375158}" presName="connectorText" presStyleLbl="sibTrans2D1" presStyleIdx="2" presStyleCnt="6"/>
       <dgm:spPr/>
+      <dgm:t>
+        <a:bodyPr/>
+        <a:lstStyle/>
+        <a:p>
+          <a:endParaRPr lang="en-US"/>
+        </a:p>
+      </dgm:t>
     </dgm:pt>
     <dgm:pt modelId="{E00C1853-F7D8-F540-B8ED-8FD8FF0D0A70}" type="pres">
       <dgm:prSet presAssocID="{5CFAE10F-32C6-1F4E-8CD4-01516C890140}" presName="node" presStyleLbl="node1" presStyleIdx="3" presStyleCnt="6">
@@ -1201,10 +1255,24 @@
     <dgm:pt modelId="{4E12887B-3A9C-6E4A-8ADC-1872BC92665D}" type="pres">
       <dgm:prSet presAssocID="{9E47A900-FA15-1648-B5D5-CC491A3E9437}" presName="sibTrans" presStyleLbl="sibTrans2D1" presStyleIdx="3" presStyleCnt="6"/>
       <dgm:spPr/>
+      <dgm:t>
+        <a:bodyPr/>
+        <a:lstStyle/>
+        <a:p>
+          <a:endParaRPr lang="en-US"/>
+        </a:p>
+      </dgm:t>
     </dgm:pt>
     <dgm:pt modelId="{96516198-1C81-A840-99FC-31B008AEB1F4}" type="pres">
       <dgm:prSet presAssocID="{9E47A900-FA15-1648-B5D5-CC491A3E9437}" presName="connectorText" presStyleLbl="sibTrans2D1" presStyleIdx="3" presStyleCnt="6"/>
       <dgm:spPr/>
+      <dgm:t>
+        <a:bodyPr/>
+        <a:lstStyle/>
+        <a:p>
+          <a:endParaRPr lang="en-US"/>
+        </a:p>
+      </dgm:t>
     </dgm:pt>
     <dgm:pt modelId="{871A196E-ECC8-FD4A-B1C4-731B1F392606}" type="pres">
       <dgm:prSet presAssocID="{00B175B7-B56E-674D-AD3B-5770A74EE048}" presName="node" presStyleLbl="node1" presStyleIdx="4" presStyleCnt="6">
@@ -1224,10 +1292,24 @@
     <dgm:pt modelId="{CFB9BD92-CAD2-8143-B263-077C6620472D}" type="pres">
       <dgm:prSet presAssocID="{8A9D88A2-85E5-9D4D-9FD3-A1CCEDEA190F}" presName="sibTrans" presStyleLbl="sibTrans2D1" presStyleIdx="4" presStyleCnt="6"/>
       <dgm:spPr/>
+      <dgm:t>
+        <a:bodyPr/>
+        <a:lstStyle/>
+        <a:p>
+          <a:endParaRPr lang="en-US"/>
+        </a:p>
+      </dgm:t>
     </dgm:pt>
     <dgm:pt modelId="{F22668AF-22EC-5F40-B715-B0069904F826}" type="pres">
       <dgm:prSet presAssocID="{8A9D88A2-85E5-9D4D-9FD3-A1CCEDEA190F}" presName="connectorText" presStyleLbl="sibTrans2D1" presStyleIdx="4" presStyleCnt="6"/>
       <dgm:spPr/>
+      <dgm:t>
+        <a:bodyPr/>
+        <a:lstStyle/>
+        <a:p>
+          <a:endParaRPr lang="en-US"/>
+        </a:p>
+      </dgm:t>
     </dgm:pt>
     <dgm:pt modelId="{A5A8C184-F73E-524D-8074-02EB5C70D59B}" type="pres">
       <dgm:prSet presAssocID="{D1927B66-9305-824F-97AC-EEC3EE729FAC}" presName="node" presStyleLbl="node1" presStyleIdx="5" presStyleCnt="6">
@@ -1247,38 +1329,52 @@
     <dgm:pt modelId="{65403533-2F88-2543-B360-492EDCD4DA1D}" type="pres">
       <dgm:prSet presAssocID="{2D47FD91-C275-8741-BB69-32CEB8E20231}" presName="sibTrans" presStyleLbl="sibTrans2D1" presStyleIdx="5" presStyleCnt="6"/>
       <dgm:spPr/>
+      <dgm:t>
+        <a:bodyPr/>
+        <a:lstStyle/>
+        <a:p>
+          <a:endParaRPr lang="en-US"/>
+        </a:p>
+      </dgm:t>
     </dgm:pt>
     <dgm:pt modelId="{161B2F6B-347C-DC42-B39A-E2EF8F97A937}" type="pres">
       <dgm:prSet presAssocID="{2D47FD91-C275-8741-BB69-32CEB8E20231}" presName="connectorText" presStyleLbl="sibTrans2D1" presStyleIdx="5" presStyleCnt="6"/>
       <dgm:spPr/>
+      <dgm:t>
+        <a:bodyPr/>
+        <a:lstStyle/>
+        <a:p>
+          <a:endParaRPr lang="en-US"/>
+        </a:p>
+      </dgm:t>
     </dgm:pt>
   </dgm:ptLst>
   <dgm:cxnLst>
-    <dgm:cxn modelId="{C75FB7A0-49D8-4B47-8DB5-F3E314BC95A5}" srcId="{C1ADA7EF-0697-6D45-9EBA-10218B663631}" destId="{D1927B66-9305-824F-97AC-EEC3EE729FAC}" srcOrd="5" destOrd="0" parTransId="{5B1B9FF5-BAA2-E248-AC60-24CEF9B43B08}" sibTransId="{2D47FD91-C275-8741-BB69-32CEB8E20231}"/>
+    <dgm:cxn modelId="{58CFBE12-8CF4-E14E-A525-E1F130CF0E8D}" type="presOf" srcId="{9FC8FA7D-5F30-BC40-B0D2-8F17E0DC8B61}" destId="{9B1881E4-0847-4F41-9339-5F5BFDBB2B61}" srcOrd="0" destOrd="0" presId="urn:microsoft.com/office/officeart/2005/8/layout/cycle2"/>
+    <dgm:cxn modelId="{2AEE46CF-F7FD-5D4B-B7B9-09E6AA96E544}" type="presOf" srcId="{8F8DCA44-315C-8C47-964C-15409244BF2E}" destId="{6151DF35-FB25-E641-A93A-F9C077603864}" srcOrd="0" destOrd="0" presId="urn:microsoft.com/office/officeart/2005/8/layout/cycle2"/>
+    <dgm:cxn modelId="{896FC8C9-A00B-2448-84C7-1C59EB23E6B5}" srcId="{C1ADA7EF-0697-6D45-9EBA-10218B663631}" destId="{E5EF9F5E-D343-C94E-89AE-44D2161960E2}" srcOrd="0" destOrd="0" parTransId="{9EEDC807-AF0B-CF40-A344-F7AA05221AEA}" sibTransId="{DE5EE33B-A777-C848-B9CB-E1EB2BF66FB9}"/>
+    <dgm:cxn modelId="{2DD1D422-4307-2B4E-9D63-CCAE7BF57C7F}" srcId="{C1ADA7EF-0697-6D45-9EBA-10218B663631}" destId="{6524AE8D-5893-0D45-9759-A39A3544C9FA}" srcOrd="2" destOrd="0" parTransId="{4FD6161D-B836-304C-ABFA-5573737EB4CF}" sibTransId="{BF87F07D-96F6-814D-9E97-B1745C375158}"/>
+    <dgm:cxn modelId="{AE510587-3961-E74F-86FF-4449F1D5399C}" type="presOf" srcId="{2D47FD91-C275-8741-BB69-32CEB8E20231}" destId="{65403533-2F88-2543-B360-492EDCD4DA1D}" srcOrd="0" destOrd="0" presId="urn:microsoft.com/office/officeart/2005/8/layout/cycle2"/>
+    <dgm:cxn modelId="{9E6B6DB4-4904-524A-9CB4-E2F4911B3609}" type="presOf" srcId="{9E47A900-FA15-1648-B5D5-CC491A3E9437}" destId="{4E12887B-3A9C-6E4A-8ADC-1872BC92665D}" srcOrd="0" destOrd="0" presId="urn:microsoft.com/office/officeart/2005/8/layout/cycle2"/>
+    <dgm:cxn modelId="{843CF9B5-8CC0-5549-8DE8-0DF1FE2C44FF}" type="presOf" srcId="{BF87F07D-96F6-814D-9E97-B1745C375158}" destId="{3DCDFFE7-3D91-3C4F-B4E8-FDD365334A22}" srcOrd="0" destOrd="0" presId="urn:microsoft.com/office/officeart/2005/8/layout/cycle2"/>
+    <dgm:cxn modelId="{271392EB-DCE4-E244-BFD6-BCC9656346BA}" type="presOf" srcId="{C1ADA7EF-0697-6D45-9EBA-10218B663631}" destId="{159DA25B-8F2F-E445-8BD1-C0C12F3596C4}" srcOrd="0" destOrd="0" presId="urn:microsoft.com/office/officeart/2005/8/layout/cycle2"/>
     <dgm:cxn modelId="{95BE4992-6666-D846-BA3F-4EC35C12FB8A}" srcId="{C1ADA7EF-0697-6D45-9EBA-10218B663631}" destId="{00B175B7-B56E-674D-AD3B-5770A74EE048}" srcOrd="4" destOrd="0" parTransId="{7C7EF661-0328-7141-85CA-52F31CBD684F}" sibTransId="{8A9D88A2-85E5-9D4D-9FD3-A1CCEDEA190F}"/>
-    <dgm:cxn modelId="{58CFBE12-8CF4-E14E-A525-E1F130CF0E8D}" type="presOf" srcId="{9FC8FA7D-5F30-BC40-B0D2-8F17E0DC8B61}" destId="{9B1881E4-0847-4F41-9339-5F5BFDBB2B61}" srcOrd="0" destOrd="0" presId="urn:microsoft.com/office/officeart/2005/8/layout/cycle2"/>
-    <dgm:cxn modelId="{271392EB-DCE4-E244-BFD6-BCC9656346BA}" type="presOf" srcId="{C1ADA7EF-0697-6D45-9EBA-10218B663631}" destId="{159DA25B-8F2F-E445-8BD1-C0C12F3596C4}" srcOrd="0" destOrd="0" presId="urn:microsoft.com/office/officeart/2005/8/layout/cycle2"/>
+    <dgm:cxn modelId="{0C4A9E04-EE50-C64C-996D-2BA14BAE48F5}" type="presOf" srcId="{2D47FD91-C275-8741-BB69-32CEB8E20231}" destId="{161B2F6B-347C-DC42-B39A-E2EF8F97A937}" srcOrd="1" destOrd="0" presId="urn:microsoft.com/office/officeart/2005/8/layout/cycle2"/>
+    <dgm:cxn modelId="{550E381F-23B6-CB43-9A17-5F4FAB27AEF8}" type="presOf" srcId="{9E47A900-FA15-1648-B5D5-CC491A3E9437}" destId="{96516198-1C81-A840-99FC-31B008AEB1F4}" srcOrd="1" destOrd="0" presId="urn:microsoft.com/office/officeart/2005/8/layout/cycle2"/>
+    <dgm:cxn modelId="{2CCBCF17-CD37-A741-A5A8-165974A58AC4}" type="presOf" srcId="{DE5EE33B-A777-C848-B9CB-E1EB2BF66FB9}" destId="{9F340DF1-734C-2148-A610-84795A4B4209}" srcOrd="0" destOrd="0" presId="urn:microsoft.com/office/officeart/2005/8/layout/cycle2"/>
+    <dgm:cxn modelId="{AC17420B-FB9A-E543-858C-AAA24863CB16}" type="presOf" srcId="{9FC8FA7D-5F30-BC40-B0D2-8F17E0DC8B61}" destId="{B9364B23-173C-AD4B-B566-8B3CA409269A}" srcOrd="1" destOrd="0" presId="urn:microsoft.com/office/officeart/2005/8/layout/cycle2"/>
+    <dgm:cxn modelId="{2820B620-DE84-0F45-AA5B-95F1B59D8465}" srcId="{C1ADA7EF-0697-6D45-9EBA-10218B663631}" destId="{8F8DCA44-315C-8C47-964C-15409244BF2E}" srcOrd="1" destOrd="0" parTransId="{BC263194-3B9D-584D-A488-5A01070A55DF}" sibTransId="{9FC8FA7D-5F30-BC40-B0D2-8F17E0DC8B61}"/>
     <dgm:cxn modelId="{9D906853-7E52-A443-A654-48B4CFFC6B18}" type="presOf" srcId="{5CFAE10F-32C6-1F4E-8CD4-01516C890140}" destId="{E00C1853-F7D8-F540-B8ED-8FD8FF0D0A70}" srcOrd="0" destOrd="0" presId="urn:microsoft.com/office/officeart/2005/8/layout/cycle2"/>
     <dgm:cxn modelId="{C3C31892-3F2C-8041-89C3-74D054885444}" type="presOf" srcId="{DE5EE33B-A777-C848-B9CB-E1EB2BF66FB9}" destId="{CAB34FC8-CC68-114D-8544-C499147C598D}" srcOrd="1" destOrd="0" presId="urn:microsoft.com/office/officeart/2005/8/layout/cycle2"/>
+    <dgm:cxn modelId="{27FA709B-D44D-A148-9CA6-34E7E36C06A7}" type="presOf" srcId="{00B175B7-B56E-674D-AD3B-5770A74EE048}" destId="{871A196E-ECC8-FD4A-B1C4-731B1F392606}" srcOrd="0" destOrd="0" presId="urn:microsoft.com/office/officeart/2005/8/layout/cycle2"/>
+    <dgm:cxn modelId="{FCB719B4-C945-5B42-A920-A5C07DF18E72}" type="presOf" srcId="{D1927B66-9305-824F-97AC-EEC3EE729FAC}" destId="{A5A8C184-F73E-524D-8074-02EB5C70D59B}" srcOrd="0" destOrd="0" presId="urn:microsoft.com/office/officeart/2005/8/layout/cycle2"/>
+    <dgm:cxn modelId="{2239E826-A12C-224E-A336-BE08326B8ADC}" type="presOf" srcId="{6524AE8D-5893-0D45-9759-A39A3544C9FA}" destId="{982717DA-0E5C-EB49-9DF1-1BCD460FEAF5}" srcOrd="0" destOrd="0" presId="urn:microsoft.com/office/officeart/2005/8/layout/cycle2"/>
     <dgm:cxn modelId="{33E4AFF5-67FB-FD4F-828D-EBEBBF82CC2E}" type="presOf" srcId="{BF87F07D-96F6-814D-9E97-B1745C375158}" destId="{728E7C76-2B29-404A-A2C5-B6F8F2E02006}" srcOrd="1" destOrd="0" presId="urn:microsoft.com/office/officeart/2005/8/layout/cycle2"/>
-    <dgm:cxn modelId="{2DD1D422-4307-2B4E-9D63-CCAE7BF57C7F}" srcId="{C1ADA7EF-0697-6D45-9EBA-10218B663631}" destId="{6524AE8D-5893-0D45-9759-A39A3544C9FA}" srcOrd="2" destOrd="0" parTransId="{4FD6161D-B836-304C-ABFA-5573737EB4CF}" sibTransId="{BF87F07D-96F6-814D-9E97-B1745C375158}"/>
+    <dgm:cxn modelId="{0B0D4390-02BC-3E4E-9EC2-B786E3D40B0E}" type="presOf" srcId="{8A9D88A2-85E5-9D4D-9FD3-A1CCEDEA190F}" destId="{CFB9BD92-CAD2-8143-B263-077C6620472D}" srcOrd="0" destOrd="0" presId="urn:microsoft.com/office/officeart/2005/8/layout/cycle2"/>
+    <dgm:cxn modelId="{C75FB7A0-49D8-4B47-8DB5-F3E314BC95A5}" srcId="{C1ADA7EF-0697-6D45-9EBA-10218B663631}" destId="{D1927B66-9305-824F-97AC-EEC3EE729FAC}" srcOrd="5" destOrd="0" parTransId="{5B1B9FF5-BAA2-E248-AC60-24CEF9B43B08}" sibTransId="{2D47FD91-C275-8741-BB69-32CEB8E20231}"/>
     <dgm:cxn modelId="{93D44418-C757-BA49-9D78-7C2437196DE5}" type="presOf" srcId="{E5EF9F5E-D343-C94E-89AE-44D2161960E2}" destId="{615156A1-29D1-B146-905A-BA042F947061}" srcOrd="0" destOrd="0" presId="urn:microsoft.com/office/officeart/2005/8/layout/cycle2"/>
-    <dgm:cxn modelId="{550E381F-23B6-CB43-9A17-5F4FAB27AEF8}" type="presOf" srcId="{9E47A900-FA15-1648-B5D5-CC491A3E9437}" destId="{96516198-1C81-A840-99FC-31B008AEB1F4}" srcOrd="1" destOrd="0" presId="urn:microsoft.com/office/officeart/2005/8/layout/cycle2"/>
-    <dgm:cxn modelId="{AE510587-3961-E74F-86FF-4449F1D5399C}" type="presOf" srcId="{2D47FD91-C275-8741-BB69-32CEB8E20231}" destId="{65403533-2F88-2543-B360-492EDCD4DA1D}" srcOrd="0" destOrd="0" presId="urn:microsoft.com/office/officeart/2005/8/layout/cycle2"/>
-    <dgm:cxn modelId="{FCB719B4-C945-5B42-A920-A5C07DF18E72}" type="presOf" srcId="{D1927B66-9305-824F-97AC-EEC3EE729FAC}" destId="{A5A8C184-F73E-524D-8074-02EB5C70D59B}" srcOrd="0" destOrd="0" presId="urn:microsoft.com/office/officeart/2005/8/layout/cycle2"/>
-    <dgm:cxn modelId="{27FA709B-D44D-A148-9CA6-34E7E36C06A7}" type="presOf" srcId="{00B175B7-B56E-674D-AD3B-5770A74EE048}" destId="{871A196E-ECC8-FD4A-B1C4-731B1F392606}" srcOrd="0" destOrd="0" presId="urn:microsoft.com/office/officeart/2005/8/layout/cycle2"/>
-    <dgm:cxn modelId="{896FC8C9-A00B-2448-84C7-1C59EB23E6B5}" srcId="{C1ADA7EF-0697-6D45-9EBA-10218B663631}" destId="{E5EF9F5E-D343-C94E-89AE-44D2161960E2}" srcOrd="0" destOrd="0" parTransId="{9EEDC807-AF0B-CF40-A344-F7AA05221AEA}" sibTransId="{DE5EE33B-A777-C848-B9CB-E1EB2BF66FB9}"/>
     <dgm:cxn modelId="{A106BCE1-CB07-404F-A0D0-D005F726751F}" srcId="{C1ADA7EF-0697-6D45-9EBA-10218B663631}" destId="{5CFAE10F-32C6-1F4E-8CD4-01516C890140}" srcOrd="3" destOrd="0" parTransId="{DD51BFE1-6F17-2546-84F6-D52F29D2070B}" sibTransId="{9E47A900-FA15-1648-B5D5-CC491A3E9437}"/>
-    <dgm:cxn modelId="{2CCBCF17-CD37-A741-A5A8-165974A58AC4}" type="presOf" srcId="{DE5EE33B-A777-C848-B9CB-E1EB2BF66FB9}" destId="{9F340DF1-734C-2148-A610-84795A4B4209}" srcOrd="0" destOrd="0" presId="urn:microsoft.com/office/officeart/2005/8/layout/cycle2"/>
     <dgm:cxn modelId="{0C4567A3-08D8-954F-A11B-B8F45C911535}" type="presOf" srcId="{8A9D88A2-85E5-9D4D-9FD3-A1CCEDEA190F}" destId="{F22668AF-22EC-5F40-B715-B0069904F826}" srcOrd="1" destOrd="0" presId="urn:microsoft.com/office/officeart/2005/8/layout/cycle2"/>
-    <dgm:cxn modelId="{2AEE46CF-F7FD-5D4B-B7B9-09E6AA96E544}" type="presOf" srcId="{8F8DCA44-315C-8C47-964C-15409244BF2E}" destId="{6151DF35-FB25-E641-A93A-F9C077603864}" srcOrd="0" destOrd="0" presId="urn:microsoft.com/office/officeart/2005/8/layout/cycle2"/>
-    <dgm:cxn modelId="{0C4A9E04-EE50-C64C-996D-2BA14BAE48F5}" type="presOf" srcId="{2D47FD91-C275-8741-BB69-32CEB8E20231}" destId="{161B2F6B-347C-DC42-B39A-E2EF8F97A937}" srcOrd="1" destOrd="0" presId="urn:microsoft.com/office/officeart/2005/8/layout/cycle2"/>
-    <dgm:cxn modelId="{9E6B6DB4-4904-524A-9CB4-E2F4911B3609}" type="presOf" srcId="{9E47A900-FA15-1648-B5D5-CC491A3E9437}" destId="{4E12887B-3A9C-6E4A-8ADC-1872BC92665D}" srcOrd="0" destOrd="0" presId="urn:microsoft.com/office/officeart/2005/8/layout/cycle2"/>
-    <dgm:cxn modelId="{0B0D4390-02BC-3E4E-9EC2-B786E3D40B0E}" type="presOf" srcId="{8A9D88A2-85E5-9D4D-9FD3-A1CCEDEA190F}" destId="{CFB9BD92-CAD2-8143-B263-077C6620472D}" srcOrd="0" destOrd="0" presId="urn:microsoft.com/office/officeart/2005/8/layout/cycle2"/>
-    <dgm:cxn modelId="{AC17420B-FB9A-E543-858C-AAA24863CB16}" type="presOf" srcId="{9FC8FA7D-5F30-BC40-B0D2-8F17E0DC8B61}" destId="{B9364B23-173C-AD4B-B566-8B3CA409269A}" srcOrd="1" destOrd="0" presId="urn:microsoft.com/office/officeart/2005/8/layout/cycle2"/>
-    <dgm:cxn modelId="{843CF9B5-8CC0-5549-8DE8-0DF1FE2C44FF}" type="presOf" srcId="{BF87F07D-96F6-814D-9E97-B1745C375158}" destId="{3DCDFFE7-3D91-3C4F-B4E8-FDD365334A22}" srcOrd="0" destOrd="0" presId="urn:microsoft.com/office/officeart/2005/8/layout/cycle2"/>
-    <dgm:cxn modelId="{2239E826-A12C-224E-A336-BE08326B8ADC}" type="presOf" srcId="{6524AE8D-5893-0D45-9759-A39A3544C9FA}" destId="{982717DA-0E5C-EB49-9DF1-1BCD460FEAF5}" srcOrd="0" destOrd="0" presId="urn:microsoft.com/office/officeart/2005/8/layout/cycle2"/>
-    <dgm:cxn modelId="{2820B620-DE84-0F45-AA5B-95F1B59D8465}" srcId="{C1ADA7EF-0697-6D45-9EBA-10218B663631}" destId="{8F8DCA44-315C-8C47-964C-15409244BF2E}" srcOrd="1" destOrd="0" parTransId="{BC263194-3B9D-584D-A488-5A01070A55DF}" sibTransId="{9FC8FA7D-5F30-BC40-B0D2-8F17E0DC8B61}"/>
     <dgm:cxn modelId="{E47A242D-7A5F-474B-9213-66F9A0D0313D}" type="presParOf" srcId="{159DA25B-8F2F-E445-8BD1-C0C12F3596C4}" destId="{615156A1-29D1-B146-905A-BA042F947061}" srcOrd="0" destOrd="0" presId="urn:microsoft.com/office/officeart/2005/8/layout/cycle2"/>
     <dgm:cxn modelId="{25ECC270-5AF0-464F-9BA2-275C403B5505}" type="presParOf" srcId="{159DA25B-8F2F-E445-8BD1-C0C12F3596C4}" destId="{9F340DF1-734C-2148-A610-84795A4B4209}" srcOrd="1" destOrd="0" presId="urn:microsoft.com/office/officeart/2005/8/layout/cycle2"/>
     <dgm:cxn modelId="{1B7FC1A0-587B-F344-9B20-1EACBA533F7E}" type="presParOf" srcId="{9F340DF1-734C-2148-A610-84795A4B4209}" destId="{CAB34FC8-CC68-114D-8544-C499147C598D}" srcOrd="0" destOrd="0" presId="urn:microsoft.com/office/officeart/2005/8/layout/cycle2"/>
@@ -3603,6 +3699,171 @@
 </dgm:styleDef>
 </file>
 
+<file path=ppt/handoutMasters/handoutMaster1.xml><?xml version="1.0" encoding="utf-8"?>
+<p:handoutMaster xmlns:a="http://schemas.openxmlformats.org/drawingml/2006/main" xmlns:r="http://schemas.openxmlformats.org/officeDocument/2006/relationships" xmlns:p="http://schemas.openxmlformats.org/presentationml/2006/main">
+  <p:cSld>
+    <p:bg>
+      <p:bgRef idx="1001">
+        <a:schemeClr val="bg1"/>
+      </p:bgRef>
+    </p:bg>
+    <p:spTree>
+      <p:nvGrpSpPr>
+        <p:cNvPr id="1" name=""/>
+        <p:cNvGrpSpPr/>
+        <p:nvPr/>
+      </p:nvGrpSpPr>
+      <p:grpSpPr>
+        <a:xfrm>
+          <a:off x="0" y="0"/>
+          <a:ext cx="0" cy="0"/>
+          <a:chOff x="0" y="0"/>
+          <a:chExt cx="0" cy="0"/>
+        </a:xfrm>
+      </p:grpSpPr>
+      <p:sp>
+        <p:nvSpPr>
+          <p:cNvPr id="2" name="Header Placeholder 1"/>
+          <p:cNvSpPr>
+            <a:spLocks noGrp="1"/>
+          </p:cNvSpPr>
+          <p:nvPr>
+            <p:ph type="hdr" sz="quarter"/>
+          </p:nvPr>
+        </p:nvSpPr>
+        <p:spPr>
+          <a:xfrm>
+            <a:off x="0" y="0"/>
+            <a:ext cx="2971800" cy="457200"/>
+          </a:xfrm>
+          <a:prstGeom prst="rect">
+            <a:avLst/>
+          </a:prstGeom>
+        </p:spPr>
+        <p:txBody>
+          <a:bodyPr vert="horz" lIns="91440" tIns="45720" rIns="91440" bIns="45720" rtlCol="0"/>
+          <a:lstStyle>
+            <a:lvl1pPr algn="l">
+              <a:defRPr sz="1200"/>
+            </a:lvl1pPr>
+          </a:lstStyle>
+          <a:p>
+            <a:endParaRPr lang="en-US"/>
+          </a:p>
+        </p:txBody>
+      </p:sp>
+      <p:sp>
+        <p:nvSpPr>
+          <p:cNvPr id="3" name="Date Placeholder 2"/>
+          <p:cNvSpPr>
+            <a:spLocks noGrp="1"/>
+          </p:cNvSpPr>
+          <p:nvPr>
+            <p:ph type="dt" sz="quarter" idx="1"/>
+          </p:nvPr>
+        </p:nvSpPr>
+        <p:spPr>
+          <a:xfrm>
+            <a:off x="3884613" y="0"/>
+            <a:ext cx="2971800" cy="457200"/>
+          </a:xfrm>
+          <a:prstGeom prst="rect">
+            <a:avLst/>
+          </a:prstGeom>
+        </p:spPr>
+        <p:txBody>
+          <a:bodyPr vert="horz" lIns="91440" tIns="45720" rIns="91440" bIns="45720" rtlCol="0"/>
+          <a:lstStyle>
+            <a:lvl1pPr algn="r">
+              <a:defRPr sz="1200"/>
+            </a:lvl1pPr>
+          </a:lstStyle>
+          <a:p>
+            <a:fld id="{B85E8A6F-4A4E-1845-863B-56643CA0D72C}" type="datetimeFigureOut">
+              <a:rPr lang="en-US" smtClean="0"/>
+              <a:t>12/3/16</a:t>
+            </a:fld>
+            <a:endParaRPr lang="en-US"/>
+          </a:p>
+        </p:txBody>
+      </p:sp>
+      <p:sp>
+        <p:nvSpPr>
+          <p:cNvPr id="4" name="Footer Placeholder 3"/>
+          <p:cNvSpPr>
+            <a:spLocks noGrp="1"/>
+          </p:cNvSpPr>
+          <p:nvPr>
+            <p:ph type="ftr" sz="quarter" idx="2"/>
+          </p:nvPr>
+        </p:nvSpPr>
+        <p:spPr>
+          <a:xfrm>
+            <a:off x="0" y="8685213"/>
+            <a:ext cx="2971800" cy="457200"/>
+          </a:xfrm>
+          <a:prstGeom prst="rect">
+            <a:avLst/>
+          </a:prstGeom>
+        </p:spPr>
+        <p:txBody>
+          <a:bodyPr vert="horz" lIns="91440" tIns="45720" rIns="91440" bIns="45720" rtlCol="0" anchor="b"/>
+          <a:lstStyle>
+            <a:lvl1pPr algn="l">
+              <a:defRPr sz="1200"/>
+            </a:lvl1pPr>
+          </a:lstStyle>
+          <a:p>
+            <a:endParaRPr lang="en-US"/>
+          </a:p>
+        </p:txBody>
+      </p:sp>
+      <p:sp>
+        <p:nvSpPr>
+          <p:cNvPr id="5" name="Slide Number Placeholder 4"/>
+          <p:cNvSpPr>
+            <a:spLocks noGrp="1"/>
+          </p:cNvSpPr>
+          <p:nvPr>
+            <p:ph type="sldNum" sz="quarter" idx="3"/>
+          </p:nvPr>
+        </p:nvSpPr>
+        <p:spPr>
+          <a:xfrm>
+            <a:off x="3884613" y="8685213"/>
+            <a:ext cx="2971800" cy="457200"/>
+          </a:xfrm>
+          <a:prstGeom prst="rect">
+            <a:avLst/>
+          </a:prstGeom>
+        </p:spPr>
+        <p:txBody>
+          <a:bodyPr vert="horz" lIns="91440" tIns="45720" rIns="91440" bIns="45720" rtlCol="0" anchor="b"/>
+          <a:lstStyle>
+            <a:lvl1pPr algn="r">
+              <a:defRPr sz="1200"/>
+            </a:lvl1pPr>
+          </a:lstStyle>
+          <a:p>
+            <a:fld id="{5DA9DCDA-3D64-E045-97DC-D721A7EAAD76}" type="slidenum">
+              <a:rPr lang="en-US" smtClean="0"/>
+              <a:t>‹#›</a:t>
+            </a:fld>
+            <a:endParaRPr lang="en-US"/>
+          </a:p>
+        </p:txBody>
+      </p:sp>
+    </p:spTree>
+    <p:extLst>
+      <p:ext uri="{BB962C8B-B14F-4D97-AF65-F5344CB8AC3E}">
+        <p14:creationId xmlns:p14="http://schemas.microsoft.com/office/powerpoint/2010/main" val="1514278526"/>
+      </p:ext>
+    </p:extLst>
+  </p:cSld>
+  <p:clrMap bg1="lt1" tx1="dk1" bg2="lt2" tx2="dk2" accent1="accent1" accent2="accent2" accent3="accent3" accent4="accent4" accent5="accent5" accent6="accent6" hlink="hlink" folHlink="folHlink"/>
+</p:handoutMaster>
+</file>
+
 <file path=ppt/slideLayouts/slideLayout1.xml><?xml version="1.0" encoding="utf-8"?>
 <p:sldLayout xmlns:a="http://schemas.openxmlformats.org/drawingml/2006/main" xmlns:r="http://schemas.openxmlformats.org/officeDocument/2006/relationships" xmlns:p="http://schemas.openxmlformats.org/presentationml/2006/main" type="title" preserve="1">
   <p:cSld name="Title Slide">
@@ -3697,7 +3958,7 @@
           <a:p>
             <a:fld id="{56176355-AE5A-5A48-9C26-68AC322842B1}" type="datetimeFigureOut">
               <a:rPr lang="en-US" smtClean="0"/>
-              <a:t>12/2/16</a:t>
+              <a:t>12/3/16</a:t>
             </a:fld>
             <a:endParaRPr lang="en-US"/>
           </a:p>
@@ -3940,13 +4201,13 @@
   <p:clrMapOvr>
     <a:overrideClrMapping bg1="dk1" tx1="lt1" bg2="dk2" tx2="lt2" accent1="accent1" accent2="accent2" accent3="accent3" accent4="accent4" accent5="accent5" accent6="accent6" hlink="hlink" folHlink="folHlink"/>
   </p:clrMapOvr>
-  <mc:AlternateContent xmlns:mc="http://schemas.openxmlformats.org/markup-compatibility/2006">
-    <mc:Choice xmlns:p14="http://schemas.microsoft.com/office/powerpoint/2010/main" Requires="p14">
+  <mc:AlternateContent xmlns:mc="http://schemas.openxmlformats.org/markup-compatibility/2006" xmlns:p14="http://schemas.microsoft.com/office/powerpoint/2010/main">
+    <mc:Choice Requires="p14">
       <p:transition spd="med" p14:dur="700">
         <p:fade/>
       </p:transition>
     </mc:Choice>
-    <mc:Fallback>
+    <mc:Fallback xmlns="">
       <p:transition xmlns:p14="http://schemas.microsoft.com/office/powerpoint/2010/main" spd="med">
         <p:fade/>
       </p:transition>
@@ -4012,7 +4273,7 @@
           <a:p>
             <a:fld id="{56176355-AE5A-5A48-9C26-68AC322842B1}" type="datetimeFigureOut">
               <a:rPr lang="en-US" smtClean="0"/>
-              <a:t>12/2/16</a:t>
+              <a:t>12/3/16</a:t>
             </a:fld>
             <a:endParaRPr lang="en-US"/>
           </a:p>
@@ -4065,13 +4326,13 @@
   <p:clrMapOvr>
     <a:masterClrMapping/>
   </p:clrMapOvr>
-  <mc:AlternateContent xmlns:mc="http://schemas.openxmlformats.org/markup-compatibility/2006">
-    <mc:Choice xmlns:p14="http://schemas.microsoft.com/office/powerpoint/2010/main" Requires="p14">
+  <mc:AlternateContent xmlns:mc="http://schemas.openxmlformats.org/markup-compatibility/2006" xmlns:p14="http://schemas.microsoft.com/office/powerpoint/2010/main">
+    <mc:Choice Requires="p14">
       <p:transition spd="med" p14:dur="700">
         <p:fade/>
       </p:transition>
     </mc:Choice>
-    <mc:Fallback>
+    <mc:Fallback xmlns="">
       <p:transition xmlns:p14="http://schemas.microsoft.com/office/powerpoint/2010/main" spd="med">
         <p:fade/>
       </p:transition>
@@ -4114,7 +4375,7 @@
           <a:p>
             <a:fld id="{56176355-AE5A-5A48-9C26-68AC322842B1}" type="datetimeFigureOut">
               <a:rPr lang="en-US" smtClean="0"/>
-              <a:t>12/2/16</a:t>
+              <a:t>12/3/16</a:t>
             </a:fld>
             <a:endParaRPr lang="en-US"/>
           </a:p>
@@ -4167,13 +4428,13 @@
   <p:clrMapOvr>
     <a:masterClrMapping/>
   </p:clrMapOvr>
-  <mc:AlternateContent xmlns:mc="http://schemas.openxmlformats.org/markup-compatibility/2006">
-    <mc:Choice xmlns:p14="http://schemas.microsoft.com/office/powerpoint/2010/main" Requires="p14">
+  <mc:AlternateContent xmlns:mc="http://schemas.openxmlformats.org/markup-compatibility/2006" xmlns:p14="http://schemas.microsoft.com/office/powerpoint/2010/main">
+    <mc:Choice Requires="p14">
       <p:transition spd="med" p14:dur="700">
         <p:fade/>
       </p:transition>
     </mc:Choice>
-    <mc:Fallback>
+    <mc:Fallback xmlns="">
       <p:transition xmlns:p14="http://schemas.microsoft.com/office/powerpoint/2010/main" spd="med">
         <p:fade/>
       </p:transition>
@@ -4405,7 +4666,7 @@
           <a:p>
             <a:fld id="{56176355-AE5A-5A48-9C26-68AC322842B1}" type="datetimeFigureOut">
               <a:rPr lang="en-US" smtClean="0"/>
-              <a:t>12/2/16</a:t>
+              <a:t>12/3/16</a:t>
             </a:fld>
             <a:endParaRPr lang="en-US"/>
           </a:p>
@@ -4458,13 +4719,13 @@
   <p:clrMapOvr>
     <a:masterClrMapping/>
   </p:clrMapOvr>
-  <mc:AlternateContent xmlns:mc="http://schemas.openxmlformats.org/markup-compatibility/2006">
-    <mc:Choice xmlns:p14="http://schemas.microsoft.com/office/powerpoint/2010/main" Requires="p14">
+  <mc:AlternateContent xmlns:mc="http://schemas.openxmlformats.org/markup-compatibility/2006" xmlns:p14="http://schemas.microsoft.com/office/powerpoint/2010/main">
+    <mc:Choice Requires="p14">
       <p:transition spd="med" p14:dur="700">
         <p:fade/>
       </p:transition>
     </mc:Choice>
-    <mc:Fallback>
+    <mc:Fallback xmlns="">
       <p:transition xmlns:p14="http://schemas.microsoft.com/office/powerpoint/2010/main" spd="med">
         <p:fade/>
       </p:transition>
@@ -4507,7 +4768,7 @@
           <a:p>
             <a:fld id="{56176355-AE5A-5A48-9C26-68AC322842B1}" type="datetimeFigureOut">
               <a:rPr lang="en-US" smtClean="0"/>
-              <a:t>12/2/16</a:t>
+              <a:t>12/3/16</a:t>
             </a:fld>
             <a:endParaRPr lang="en-US"/>
           </a:p>
@@ -4752,13 +5013,13 @@
   <p:clrMapOvr>
     <a:masterClrMapping/>
   </p:clrMapOvr>
-  <mc:AlternateContent xmlns:mc="http://schemas.openxmlformats.org/markup-compatibility/2006">
-    <mc:Choice xmlns:p14="http://schemas.microsoft.com/office/powerpoint/2010/main" Requires="p14">
+  <mc:AlternateContent xmlns:mc="http://schemas.openxmlformats.org/markup-compatibility/2006" xmlns:p14="http://schemas.microsoft.com/office/powerpoint/2010/main">
+    <mc:Choice Requires="p14">
       <p:transition spd="med" p14:dur="700">
         <p:fade/>
       </p:transition>
     </mc:Choice>
-    <mc:Fallback>
+    <mc:Fallback xmlns="">
       <p:transition xmlns:p14="http://schemas.microsoft.com/office/powerpoint/2010/main" spd="med">
         <p:fade/>
       </p:transition>
@@ -4890,7 +5151,7 @@
           <a:p>
             <a:fld id="{56176355-AE5A-5A48-9C26-68AC322842B1}" type="datetimeFigureOut">
               <a:rPr lang="en-US" smtClean="0"/>
-              <a:t>12/2/16</a:t>
+              <a:t>12/3/16</a:t>
             </a:fld>
             <a:endParaRPr lang="en-US"/>
           </a:p>
@@ -4943,13 +5204,13 @@
   <p:clrMapOvr>
     <a:masterClrMapping/>
   </p:clrMapOvr>
-  <mc:AlternateContent xmlns:mc="http://schemas.openxmlformats.org/markup-compatibility/2006">
-    <mc:Choice xmlns:p14="http://schemas.microsoft.com/office/powerpoint/2010/main" Requires="p14">
+  <mc:AlternateContent xmlns:mc="http://schemas.openxmlformats.org/markup-compatibility/2006" xmlns:p14="http://schemas.microsoft.com/office/powerpoint/2010/main">
+    <mc:Choice Requires="p14">
       <p:transition spd="med" p14:dur="700">
         <p:fade/>
       </p:transition>
     </mc:Choice>
-    <mc:Fallback>
+    <mc:Fallback xmlns="">
       <p:transition xmlns:p14="http://schemas.microsoft.com/office/powerpoint/2010/main" spd="med">
         <p:fade/>
       </p:transition>
@@ -5081,7 +5342,7 @@
           <a:p>
             <a:fld id="{56176355-AE5A-5A48-9C26-68AC322842B1}" type="datetimeFigureOut">
               <a:rPr lang="en-US" smtClean="0"/>
-              <a:t>12/2/16</a:t>
+              <a:t>12/3/16</a:t>
             </a:fld>
             <a:endParaRPr lang="en-US"/>
           </a:p>
@@ -5134,13 +5395,13 @@
   <p:clrMapOvr>
     <a:masterClrMapping/>
   </p:clrMapOvr>
-  <mc:AlternateContent xmlns:mc="http://schemas.openxmlformats.org/markup-compatibility/2006">
-    <mc:Choice xmlns:p14="http://schemas.microsoft.com/office/powerpoint/2010/main" Requires="p14">
+  <mc:AlternateContent xmlns:mc="http://schemas.openxmlformats.org/markup-compatibility/2006" xmlns:p14="http://schemas.microsoft.com/office/powerpoint/2010/main">
+    <mc:Choice Requires="p14">
       <p:transition spd="med" p14:dur="700">
         <p:fade/>
       </p:transition>
     </mc:Choice>
-    <mc:Fallback>
+    <mc:Fallback xmlns="">
       <p:transition xmlns:p14="http://schemas.microsoft.com/office/powerpoint/2010/main" spd="med">
         <p:fade/>
       </p:transition>
@@ -5262,7 +5523,7 @@
           <a:p>
             <a:fld id="{56176355-AE5A-5A48-9C26-68AC322842B1}" type="datetimeFigureOut">
               <a:rPr lang="en-US" smtClean="0"/>
-              <a:t>12/2/16</a:t>
+              <a:t>12/3/16</a:t>
             </a:fld>
             <a:endParaRPr lang="en-US"/>
           </a:p>
@@ -5315,13 +5576,13 @@
   <p:clrMapOvr>
     <a:masterClrMapping/>
   </p:clrMapOvr>
-  <mc:AlternateContent xmlns:mc="http://schemas.openxmlformats.org/markup-compatibility/2006">
-    <mc:Choice xmlns:p14="http://schemas.microsoft.com/office/powerpoint/2010/main" Requires="p14">
+  <mc:AlternateContent xmlns:mc="http://schemas.openxmlformats.org/markup-compatibility/2006" xmlns:p14="http://schemas.microsoft.com/office/powerpoint/2010/main">
+    <mc:Choice Requires="p14">
       <p:transition spd="med" p14:dur="700">
         <p:fade/>
       </p:transition>
     </mc:Choice>
-    <mc:Fallback>
+    <mc:Fallback xmlns="">
       <p:transition xmlns:p14="http://schemas.microsoft.com/office/powerpoint/2010/main" spd="med">
         <p:fade/>
       </p:transition>
@@ -5409,7 +5670,7 @@
           <a:p>
             <a:fld id="{56176355-AE5A-5A48-9C26-68AC322842B1}" type="datetimeFigureOut">
               <a:rPr lang="en-US" smtClean="0"/>
-              <a:t>12/2/16</a:t>
+              <a:t>12/3/16</a:t>
             </a:fld>
             <a:endParaRPr lang="en-US"/>
           </a:p>
@@ -5703,13 +5964,13 @@
   <p:clrMapOvr>
     <a:overrideClrMapping bg1="dk1" tx1="lt1" bg2="dk2" tx2="lt2" accent1="accent1" accent2="accent2" accent3="accent3" accent4="accent4" accent5="accent5" accent6="accent6" hlink="hlink" folHlink="folHlink"/>
   </p:clrMapOvr>
-  <mc:AlternateContent xmlns:mc="http://schemas.openxmlformats.org/markup-compatibility/2006">
-    <mc:Choice xmlns:p14="http://schemas.microsoft.com/office/powerpoint/2010/main" Requires="p14">
+  <mc:AlternateContent xmlns:mc="http://schemas.openxmlformats.org/markup-compatibility/2006" xmlns:p14="http://schemas.microsoft.com/office/powerpoint/2010/main">
+    <mc:Choice Requires="p14">
       <p:transition spd="med" p14:dur="700">
         <p:fade/>
       </p:transition>
     </mc:Choice>
-    <mc:Fallback>
+    <mc:Fallback xmlns="">
       <p:transition xmlns:p14="http://schemas.microsoft.com/office/powerpoint/2010/main" spd="med">
         <p:fade/>
       </p:transition>
@@ -5942,7 +6203,7 @@
           <a:p>
             <a:fld id="{56176355-AE5A-5A48-9C26-68AC322842B1}" type="datetimeFigureOut">
               <a:rPr lang="en-US" smtClean="0"/>
-              <a:t>12/2/16</a:t>
+              <a:t>12/3/16</a:t>
             </a:fld>
             <a:endParaRPr lang="en-US"/>
           </a:p>
@@ -6021,13 +6282,13 @@
   <p:clrMapOvr>
     <a:overrideClrMapping bg1="dk1" tx1="lt1" bg2="dk2" tx2="lt2" accent1="accent1" accent2="accent2" accent3="accent3" accent4="accent4" accent5="accent5" accent6="accent6" hlink="hlink" folHlink="folHlink"/>
   </p:clrMapOvr>
-  <mc:AlternateContent xmlns:mc="http://schemas.openxmlformats.org/markup-compatibility/2006">
-    <mc:Choice xmlns:p14="http://schemas.microsoft.com/office/powerpoint/2010/main" Requires="p14">
+  <mc:AlternateContent xmlns:mc="http://schemas.openxmlformats.org/markup-compatibility/2006" xmlns:p14="http://schemas.microsoft.com/office/powerpoint/2010/main">
+    <mc:Choice Requires="p14">
       <p:transition spd="med" p14:dur="700">
         <p:fade/>
       </p:transition>
     </mc:Choice>
-    <mc:Fallback>
+    <mc:Fallback xmlns="">
       <p:transition xmlns:p14="http://schemas.microsoft.com/office/powerpoint/2010/main" spd="med">
         <p:fade/>
       </p:transition>
@@ -6267,7 +6528,7 @@
           <a:p>
             <a:fld id="{56176355-AE5A-5A48-9C26-68AC322842B1}" type="datetimeFigureOut">
               <a:rPr lang="en-US" smtClean="0"/>
-              <a:t>12/2/16</a:t>
+              <a:t>12/3/16</a:t>
             </a:fld>
             <a:endParaRPr lang="en-US"/>
           </a:p>
@@ -6320,13 +6581,13 @@
   <p:clrMapOvr>
     <a:masterClrMapping/>
   </p:clrMapOvr>
-  <mc:AlternateContent xmlns:mc="http://schemas.openxmlformats.org/markup-compatibility/2006">
-    <mc:Choice xmlns:p14="http://schemas.microsoft.com/office/powerpoint/2010/main" Requires="p14">
+  <mc:AlternateContent xmlns:mc="http://schemas.openxmlformats.org/markup-compatibility/2006" xmlns:p14="http://schemas.microsoft.com/office/powerpoint/2010/main">
+    <mc:Choice Requires="p14">
       <p:transition spd="med" p14:dur="700">
         <p:fade/>
       </p:transition>
     </mc:Choice>
-    <mc:Fallback>
+    <mc:Fallback xmlns="">
       <p:transition xmlns:p14="http://schemas.microsoft.com/office/powerpoint/2010/main" spd="med">
         <p:fade/>
       </p:transition>
@@ -6706,7 +6967,7 @@
           <a:p>
             <a:fld id="{56176355-AE5A-5A48-9C26-68AC322842B1}" type="datetimeFigureOut">
               <a:rPr lang="en-US" smtClean="0"/>
-              <a:t>12/2/16</a:t>
+              <a:t>12/3/16</a:t>
             </a:fld>
             <a:endParaRPr lang="en-US"/>
           </a:p>
@@ -6759,13 +7020,13 @@
   <p:clrMapOvr>
     <a:masterClrMapping/>
   </p:clrMapOvr>
-  <mc:AlternateContent xmlns:mc="http://schemas.openxmlformats.org/markup-compatibility/2006">
-    <mc:Choice xmlns:p14="http://schemas.microsoft.com/office/powerpoint/2010/main" Requires="p14">
+  <mc:AlternateContent xmlns:mc="http://schemas.openxmlformats.org/markup-compatibility/2006" xmlns:p14="http://schemas.microsoft.com/office/powerpoint/2010/main">
+    <mc:Choice Requires="p14">
       <p:transition spd="med" p14:dur="700">
         <p:fade/>
       </p:transition>
     </mc:Choice>
-    <mc:Fallback>
+    <mc:Fallback xmlns="">
       <p:transition xmlns:p14="http://schemas.microsoft.com/office/powerpoint/2010/main" spd="med">
         <p:fade/>
       </p:transition>
@@ -6918,7 +7179,7 @@
           <a:p>
             <a:fld id="{56176355-AE5A-5A48-9C26-68AC322842B1}" type="datetimeFigureOut">
               <a:rPr lang="en-US" smtClean="0"/>
-              <a:t>12/2/16</a:t>
+              <a:t>12/3/16</a:t>
             </a:fld>
             <a:endParaRPr lang="en-US"/>
           </a:p>
@@ -7058,13 +7319,13 @@
   <p:clrMapOvr>
     <a:masterClrMapping/>
   </p:clrMapOvr>
-  <mc:AlternateContent xmlns:mc="http://schemas.openxmlformats.org/markup-compatibility/2006">
-    <mc:Choice xmlns:p14="http://schemas.microsoft.com/office/powerpoint/2010/main" Requires="p14">
+  <mc:AlternateContent xmlns:mc="http://schemas.openxmlformats.org/markup-compatibility/2006" xmlns:p14="http://schemas.microsoft.com/office/powerpoint/2010/main">
+    <mc:Choice Requires="p14">
       <p:transition spd="med" p14:dur="700">
         <p:fade/>
       </p:transition>
     </mc:Choice>
-    <mc:Fallback>
+    <mc:Fallback xmlns="">
       <p:transition xmlns:p14="http://schemas.microsoft.com/office/powerpoint/2010/main" spd="med">
         <p:fade/>
       </p:transition>
@@ -7217,7 +7478,7 @@
           <a:p>
             <a:fld id="{56176355-AE5A-5A48-9C26-68AC322842B1}" type="datetimeFigureOut">
               <a:rPr lang="en-US" smtClean="0"/>
-              <a:t>12/2/16</a:t>
+              <a:t>12/3/16</a:t>
             </a:fld>
             <a:endParaRPr lang="en-US"/>
           </a:p>
@@ -7444,13 +7705,13 @@
   <p:clrMapOvr>
     <a:masterClrMapping/>
   </p:clrMapOvr>
-  <mc:AlternateContent xmlns:mc="http://schemas.openxmlformats.org/markup-compatibility/2006">
-    <mc:Choice xmlns:p14="http://schemas.microsoft.com/office/powerpoint/2010/main" Requires="p14">
+  <mc:AlternateContent xmlns:mc="http://schemas.openxmlformats.org/markup-compatibility/2006" xmlns:p14="http://schemas.microsoft.com/office/powerpoint/2010/main">
+    <mc:Choice Requires="p14">
       <p:transition spd="med" p14:dur="700">
         <p:fade/>
       </p:transition>
     </mc:Choice>
-    <mc:Fallback>
+    <mc:Fallback xmlns="">
       <p:transition xmlns:p14="http://schemas.microsoft.com/office/powerpoint/2010/main" spd="med">
         <p:fade/>
       </p:transition>
@@ -7516,7 +7777,7 @@
           <a:p>
             <a:fld id="{56176355-AE5A-5A48-9C26-68AC322842B1}" type="datetimeFigureOut">
               <a:rPr lang="en-US" smtClean="0"/>
-              <a:t>12/2/16</a:t>
+              <a:t>12/3/16</a:t>
             </a:fld>
             <a:endParaRPr lang="en-US"/>
           </a:p>
@@ -7917,13 +8178,13 @@
   <p:clrMapOvr>
     <a:masterClrMapping/>
   </p:clrMapOvr>
-  <mc:AlternateContent xmlns:mc="http://schemas.openxmlformats.org/markup-compatibility/2006">
-    <mc:Choice xmlns:p14="http://schemas.microsoft.com/office/powerpoint/2010/main" Requires="p14">
+  <mc:AlternateContent xmlns:mc="http://schemas.openxmlformats.org/markup-compatibility/2006" xmlns:p14="http://schemas.microsoft.com/office/powerpoint/2010/main">
+    <mc:Choice Requires="p14">
       <p:transition spd="med" p14:dur="700">
         <p:fade/>
       </p:transition>
     </mc:Choice>
-    <mc:Fallback>
+    <mc:Fallback xmlns="">
       <p:transition xmlns:p14="http://schemas.microsoft.com/office/powerpoint/2010/main" spd="med">
         <p:fade/>
       </p:transition>
@@ -8084,7 +8345,7 @@
           <a:p>
             <a:fld id="{56176355-AE5A-5A48-9C26-68AC322842B1}" type="datetimeFigureOut">
               <a:rPr lang="en-US" smtClean="0"/>
-              <a:t>12/2/16</a:t>
+              <a:t>12/3/16</a:t>
             </a:fld>
             <a:endParaRPr lang="en-US"/>
           </a:p>
@@ -8190,13 +8451,13 @@
     <p:sldLayoutId id="2147483674" r:id="rId14"/>
     <p:sldLayoutId id="2147483675" r:id="rId15"/>
   </p:sldLayoutIdLst>
-  <mc:AlternateContent xmlns:mc="http://schemas.openxmlformats.org/markup-compatibility/2006">
-    <mc:Choice xmlns:p14="http://schemas.microsoft.com/office/powerpoint/2010/main" Requires="p14">
+  <mc:AlternateContent xmlns:mc="http://schemas.openxmlformats.org/markup-compatibility/2006" xmlns:p14="http://schemas.microsoft.com/office/powerpoint/2010/main">
+    <mc:Choice Requires="p14">
       <p:transition spd="med" p14:dur="700">
         <p:fade/>
       </p:transition>
     </mc:Choice>
-    <mc:Fallback>
+    <mc:Fallback xmlns="">
       <p:transition xmlns:p14="http://schemas.microsoft.com/office/powerpoint/2010/main" spd="med">
         <p:fade/>
       </p:transition>
@@ -8670,13 +8931,13 @@
   <p:clrMapOvr>
     <a:masterClrMapping/>
   </p:clrMapOvr>
-  <mc:AlternateContent xmlns:mc="http://schemas.openxmlformats.org/markup-compatibility/2006">
-    <mc:Choice xmlns:p14="http://schemas.microsoft.com/office/powerpoint/2010/main" Requires="p14">
+  <mc:AlternateContent xmlns:mc="http://schemas.openxmlformats.org/markup-compatibility/2006" xmlns:p14="http://schemas.microsoft.com/office/powerpoint/2010/main">
+    <mc:Choice Requires="p14">
       <p:transition spd="med" p14:dur="700">
         <p:fade/>
       </p:transition>
     </mc:Choice>
-    <mc:Fallback>
+    <mc:Fallback xmlns="">
       <p:transition xmlns:p14="http://schemas.microsoft.com/office/powerpoint/2010/main" spd="med">
         <p:fade/>
       </p:transition>
@@ -8726,7 +8987,7 @@
           <a:p>
             <a:r>
               <a:rPr lang="en-US" dirty="0" smtClean="0"/>
-              <a:t>Deviations</a:t>
+              <a:t>Deployment Issues</a:t>
             </a:r>
             <a:endParaRPr lang="en-US" dirty="0"/>
           </a:p>
@@ -8742,108 +9003,214 @@
             <p:ph idx="1"/>
           </p:nvPr>
         </p:nvSpPr>
-        <p:spPr>
-          <a:xfrm>
-            <a:off x="726141" y="1457979"/>
-            <a:ext cx="7691719" cy="4571999"/>
-          </a:xfrm>
-        </p:spPr>
-        <p:txBody>
-          <a:bodyPr/>
+        <p:spPr/>
+        <p:txBody>
+          <a:bodyPr>
+            <a:normAutofit lnSpcReduction="10000"/>
+          </a:bodyPr>
           <a:lstStyle/>
           <a:p>
+            <a:pPr marL="0" indent="0">
+              <a:buNone/>
+            </a:pPr>
+            <a:endParaRPr lang="en-US" dirty="0" smtClean="0"/>
+          </a:p>
+          <a:p>
+            <a:r>
+              <a:rPr lang="en-US" dirty="0" smtClean="0"/>
+              <a:t>Database </a:t>
+            </a:r>
+            <a:r>
+              <a:rPr lang="en-US" dirty="0">
+                <a:solidFill>
+                  <a:srgbClr val="D09A08"/>
+                </a:solidFill>
+              </a:rPr>
+              <a:t>R</a:t>
+            </a:r>
             <a:r>
               <a:rPr lang="en-US" dirty="0" smtClean="0">
                 <a:solidFill>
-                  <a:schemeClr val="tx1"/>
+                  <a:srgbClr val="D09A08"/>
                 </a:solidFill>
               </a:rPr>
-              <a:t>Underestimated </a:t>
+              <a:t>equired </a:t>
+            </a:r>
+            <a:r>
+              <a:rPr lang="en-US" dirty="0">
+                <a:solidFill>
+                  <a:srgbClr val="D09A08"/>
+                </a:solidFill>
+              </a:rPr>
+              <a:t>R</a:t>
+            </a:r>
+            <a:r>
+              <a:rPr lang="en-US" dirty="0" smtClean="0">
+                <a:solidFill>
+                  <a:srgbClr val="D09A08"/>
+                </a:solidFill>
+              </a:rPr>
+              <a:t>edesign </a:t>
             </a:r>
             <a:r>
               <a:rPr lang="en-US" dirty="0" smtClean="0"/>
-              <a:t>Database Functionality and Complexity During Design Phase</a:t>
-            </a:r>
-          </a:p>
-        </p:txBody>
-      </p:sp>
-      <p:pic>
-        <p:nvPicPr>
-          <p:cNvPr id="4" name="Picture 3" descr="DB_structure_10-13-2016.JPG"/>
-          <p:cNvPicPr>
-            <a:picLocks noChangeAspect="1"/>
-          </p:cNvPicPr>
-          <p:nvPr/>
-        </p:nvPicPr>
-        <p:blipFill>
-          <a:blip r:embed="rId2">
-            <a:extLst>
-              <a:ext uri="{28A0092B-C50C-407E-A947-70E740481C1C}">
-                <a14:useLocalDpi xmlns:a14="http://schemas.microsoft.com/office/drawing/2010/main" val="0"/>
-              </a:ext>
-            </a:extLst>
-          </a:blip>
-          <a:stretch>
-            <a:fillRect/>
-          </a:stretch>
-        </p:blipFill>
-        <p:spPr>
-          <a:xfrm>
-            <a:off x="890428" y="2452077"/>
-            <a:ext cx="7005542" cy="3858846"/>
-          </a:xfrm>
-          <a:prstGeom prst="rect">
-            <a:avLst/>
-          </a:prstGeom>
-        </p:spPr>
-      </p:pic>
-      <p:sp>
-        <p:nvSpPr>
-          <p:cNvPr id="5" name="TextBox 4"/>
-          <p:cNvSpPr txBox="1"/>
-          <p:nvPr/>
-        </p:nvSpPr>
-        <p:spPr>
-          <a:xfrm>
-            <a:off x="890428" y="6399796"/>
-            <a:ext cx="2710999" cy="369332"/>
-          </a:xfrm>
-          <a:prstGeom prst="rect">
-            <a:avLst/>
-          </a:prstGeom>
-          <a:noFill/>
-        </p:spPr>
-        <p:txBody>
-          <a:bodyPr wrap="none" rtlCol="0">
-            <a:spAutoFit/>
-          </a:bodyPr>
-          <a:lstStyle/>
-          <a:p>
+              <a:t>during </a:t>
+            </a:r>
+            <a:r>
+              <a:rPr lang="en-US" dirty="0">
+                <a:solidFill>
+                  <a:srgbClr val="D09A08"/>
+                </a:solidFill>
+              </a:rPr>
+              <a:t>T</a:t>
+            </a:r>
+            <a:r>
+              <a:rPr lang="en-US" dirty="0" smtClean="0">
+                <a:solidFill>
+                  <a:srgbClr val="D09A08"/>
+                </a:solidFill>
+              </a:rPr>
+              <a:t>ime </a:t>
+            </a:r>
+            <a:r>
+              <a:rPr lang="en-US" dirty="0">
+                <a:solidFill>
+                  <a:srgbClr val="D09A08"/>
+                </a:solidFill>
+              </a:rPr>
+              <a:t>C</a:t>
+            </a:r>
+            <a:r>
+              <a:rPr lang="en-US" dirty="0" smtClean="0">
+                <a:solidFill>
+                  <a:srgbClr val="D09A08"/>
+                </a:solidFill>
+              </a:rPr>
+              <a:t>ritical</a:t>
+            </a:r>
             <a:r>
               <a:rPr lang="en-US" dirty="0" smtClean="0"/>
-              <a:t>Original Database Design </a:t>
-            </a:r>
-            <a:endParaRPr lang="en-US" dirty="0"/>
+              <a:t> implementation </a:t>
+            </a:r>
+            <a:r>
+              <a:rPr lang="en-US" dirty="0" smtClean="0"/>
+              <a:t>phase</a:t>
+            </a:r>
+            <a:endParaRPr lang="en-US" dirty="0" smtClean="0"/>
+          </a:p>
+          <a:p>
+            <a:r>
+              <a:rPr lang="en-US" dirty="0"/>
+              <a:t>Underestimation of Database complexity caused </a:t>
+            </a:r>
+            <a:r>
+              <a:rPr lang="en-US" dirty="0" smtClean="0"/>
+              <a:t>delay</a:t>
+            </a:r>
+          </a:p>
+          <a:p>
+            <a:r>
+              <a:rPr lang="en-US" dirty="0" smtClean="0"/>
+              <a:t>Utilized a </a:t>
+            </a:r>
+            <a:r>
+              <a:rPr lang="en-US" dirty="0" smtClean="0">
+                <a:solidFill>
+                  <a:srgbClr val="D09A08"/>
+                </a:solidFill>
+              </a:rPr>
+              <a:t>disproportionate</a:t>
+            </a:r>
+            <a:r>
+              <a:rPr lang="en-US" dirty="0" smtClean="0"/>
+              <a:t> amount of time </a:t>
+            </a:r>
+          </a:p>
+          <a:p>
+            <a:r>
+              <a:rPr lang="en-US" dirty="0" smtClean="0"/>
+              <a:t>In </a:t>
+            </a:r>
+            <a:r>
+              <a:rPr lang="en-US" dirty="0" smtClean="0"/>
+              <a:t>turn, </a:t>
+            </a:r>
+            <a:r>
+              <a:rPr lang="en-US" dirty="0" smtClean="0">
+                <a:solidFill>
+                  <a:srgbClr val="D09A08"/>
+                </a:solidFill>
+              </a:rPr>
+              <a:t>Delayed</a:t>
+            </a:r>
+            <a:r>
+              <a:rPr lang="en-US" dirty="0" smtClean="0"/>
+              <a:t> </a:t>
+            </a:r>
+            <a:r>
+              <a:rPr lang="en-US" dirty="0"/>
+              <a:t>creation of </a:t>
+            </a:r>
+            <a:r>
+              <a:rPr lang="en-US" dirty="0" smtClean="0"/>
+              <a:t>some unit </a:t>
+            </a:r>
+            <a:r>
+              <a:rPr lang="en-US" dirty="0" smtClean="0"/>
+              <a:t>tests</a:t>
+            </a:r>
+          </a:p>
+          <a:p>
+            <a:r>
+              <a:rPr lang="en-US" dirty="0" smtClean="0"/>
+              <a:t>Slowed </a:t>
+            </a:r>
+            <a:r>
+              <a:rPr lang="en-US" dirty="0"/>
+              <a:t>T</a:t>
+            </a:r>
+            <a:r>
+              <a:rPr lang="en-US" dirty="0" smtClean="0"/>
+              <a:t>esting </a:t>
+            </a:r>
+            <a:r>
+              <a:rPr lang="en-US" dirty="0"/>
+              <a:t>C</a:t>
+            </a:r>
+            <a:r>
+              <a:rPr lang="en-US" dirty="0" smtClean="0"/>
+              <a:t>ycle and Deployment Overall </a:t>
+            </a:r>
+            <a:endParaRPr lang="en-US" dirty="0" smtClean="0"/>
+          </a:p>
+          <a:p>
+            <a:pPr marL="0" indent="0">
+              <a:buNone/>
+            </a:pPr>
+            <a:r>
+              <a:rPr lang="en-US" dirty="0" smtClean="0"/>
+              <a:t> </a:t>
+            </a:r>
           </a:p>
         </p:txBody>
       </p:sp>
     </p:spTree>
     <p:extLst>
       <p:ext uri="{BB962C8B-B14F-4D97-AF65-F5344CB8AC3E}">
-        <p14:creationId xmlns:p14="http://schemas.microsoft.com/office/powerpoint/2010/main" val="985962453"/>
+        <p14:creationId xmlns:p14="http://schemas.microsoft.com/office/powerpoint/2010/main" val="2616622213"/>
       </p:ext>
     </p:extLst>
   </p:cSld>
   <p:clrMapOvr>
     <a:masterClrMapping/>
   </p:clrMapOvr>
-  <mc:AlternateContent xmlns:mc="http://schemas.openxmlformats.org/markup-compatibility/2006">
-    <mc:Choice xmlns:p14="http://schemas.microsoft.com/office/powerpoint/2010/main" Requires="p14">
+  <mc:AlternateContent xmlns:mc="http://schemas.openxmlformats.org/markup-compatibility/2006" xmlns:p14="http://schemas.microsoft.com/office/powerpoint/2010/main">
+    <mc:Choice Requires="p14">
       <p:transition spd="med" p14:dur="700">
         <p:fade/>
       </p:transition>
     </mc:Choice>
-    <mc:Fallback>
+    <mc:Fallback xmlns="">
       <p:transition xmlns:p14="http://schemas.microsoft.com/office/powerpoint/2010/main" spd="med">
         <p:fade/>
       </p:transition>
@@ -8892,26 +9259,55 @@
           <a:lstStyle/>
           <a:p>
             <a:r>
-              <a:rPr lang="en-US" dirty="0"/>
-              <a:t>C</a:t>
-            </a:r>
-            <a:r>
               <a:rPr lang="en-US" dirty="0" smtClean="0"/>
-              <a:t>hanges</a:t>
+              <a:t>Deviations</a:t>
             </a:r>
             <a:endParaRPr lang="en-US" dirty="0"/>
           </a:p>
         </p:txBody>
       </p:sp>
-      <p:pic>
-        <p:nvPicPr>
-          <p:cNvPr id="4" name="Content Placeholder 3" descr="Screen Shot 2016-12-02 at 7.50.30 PM.png"/>
-          <p:cNvPicPr>
-            <a:picLocks noGrp="1" noChangeAspect="1"/>
-          </p:cNvPicPr>
+      <p:sp>
+        <p:nvSpPr>
+          <p:cNvPr id="3" name="Content Placeholder 2"/>
+          <p:cNvSpPr>
+            <a:spLocks noGrp="1"/>
+          </p:cNvSpPr>
           <p:nvPr>
             <p:ph idx="1"/>
           </p:nvPr>
+        </p:nvSpPr>
+        <p:spPr>
+          <a:xfrm>
+            <a:off x="726141" y="1457979"/>
+            <a:ext cx="7691719" cy="4571999"/>
+          </a:xfrm>
+        </p:spPr>
+        <p:txBody>
+          <a:bodyPr/>
+          <a:lstStyle/>
+          <a:p>
+            <a:r>
+              <a:rPr lang="en-US" dirty="0" smtClean="0">
+                <a:solidFill>
+                  <a:schemeClr val="tx1"/>
+                </a:solidFill>
+              </a:rPr>
+              <a:t>Underestimated </a:t>
+            </a:r>
+            <a:r>
+              <a:rPr lang="en-US" dirty="0" smtClean="0"/>
+              <a:t>Database Functionality and Complexity During Design Phase</a:t>
+            </a:r>
+          </a:p>
+        </p:txBody>
+      </p:sp>
+      <p:pic>
+        <p:nvPicPr>
+          <p:cNvPr id="4" name="Picture 3" descr="DB_structure_10-13-2016.JPG"/>
+          <p:cNvPicPr>
+            <a:picLocks noChangeAspect="1"/>
+          </p:cNvPicPr>
+          <p:nvPr/>
         </p:nvPicPr>
         <p:blipFill>
           <a:blip r:embed="rId2">
@@ -8921,12 +9317,19 @@
               </a:ext>
             </a:extLst>
           </a:blip>
-          <a:srcRect t="188" b="188"/>
           <a:stretch>
             <a:fillRect/>
           </a:stretch>
         </p:blipFill>
-        <p:spPr/>
+        <p:spPr>
+          <a:xfrm>
+            <a:off x="890428" y="2452077"/>
+            <a:ext cx="7005542" cy="3858846"/>
+          </a:xfrm>
+          <a:prstGeom prst="rect">
+            <a:avLst/>
+          </a:prstGeom>
+        </p:spPr>
       </p:pic>
       <p:sp>
         <p:nvSpPr>
@@ -8936,8 +9339,8 @@
         </p:nvSpPr>
         <p:spPr>
           <a:xfrm>
-            <a:off x="726141" y="6292335"/>
-            <a:ext cx="2661719" cy="369332"/>
+            <a:off x="890428" y="6399796"/>
+            <a:ext cx="2710999" cy="369332"/>
           </a:xfrm>
           <a:prstGeom prst="rect">
             <a:avLst/>
@@ -8952,7 +9355,7 @@
           <a:p>
             <a:r>
               <a:rPr lang="en-US" dirty="0" smtClean="0"/>
-              <a:t>Current Database Design </a:t>
+              <a:t>Original Database Design </a:t>
             </a:r>
             <a:endParaRPr lang="en-US" dirty="0"/>
           </a:p>
@@ -8961,20 +9364,20 @@
     </p:spTree>
     <p:extLst>
       <p:ext uri="{BB962C8B-B14F-4D97-AF65-F5344CB8AC3E}">
-        <p14:creationId xmlns:p14="http://schemas.microsoft.com/office/powerpoint/2010/main" val="2242258375"/>
+        <p14:creationId xmlns:p14="http://schemas.microsoft.com/office/powerpoint/2010/main" val="985962453"/>
       </p:ext>
     </p:extLst>
   </p:cSld>
   <p:clrMapOvr>
     <a:masterClrMapping/>
   </p:clrMapOvr>
-  <mc:AlternateContent xmlns:mc="http://schemas.openxmlformats.org/markup-compatibility/2006">
-    <mc:Choice xmlns:p14="http://schemas.microsoft.com/office/powerpoint/2010/main" Requires="p14">
+  <mc:AlternateContent xmlns:mc="http://schemas.openxmlformats.org/markup-compatibility/2006" xmlns:p14="http://schemas.microsoft.com/office/powerpoint/2010/main">
+    <mc:Choice Requires="p14">
       <p:transition spd="med" p14:dur="700">
         <p:fade/>
       </p:transition>
     </mc:Choice>
-    <mc:Fallback>
+    <mc:Fallback xmlns="">
       <p:transition xmlns:p14="http://schemas.microsoft.com/office/powerpoint/2010/main" spd="med">
         <p:fade/>
       </p:transition>
@@ -9023,190 +9426,94 @@
           <a:lstStyle/>
           <a:p>
             <a:r>
+              <a:rPr lang="en-US" dirty="0"/>
+              <a:t>C</a:t>
+            </a:r>
+            <a:r>
               <a:rPr lang="en-US" dirty="0" smtClean="0"/>
-              <a:t>Lessons Learned</a:t>
+              <a:t>hanges</a:t>
             </a:r>
             <a:endParaRPr lang="en-US" dirty="0"/>
           </a:p>
         </p:txBody>
       </p:sp>
-      <p:sp>
-        <p:nvSpPr>
-          <p:cNvPr id="3" name="Content Placeholder 2"/>
-          <p:cNvSpPr>
-            <a:spLocks noGrp="1"/>
-          </p:cNvSpPr>
+      <p:pic>
+        <p:nvPicPr>
+          <p:cNvPr id="4" name="Content Placeholder 3" descr="Screen Shot 2016-12-02 at 7.50.30 PM.png"/>
+          <p:cNvPicPr>
+            <a:picLocks noGrp="1" noChangeAspect="1"/>
+          </p:cNvPicPr>
           <p:nvPr>
             <p:ph idx="1"/>
           </p:nvPr>
-        </p:nvSpPr>
-        <p:spPr/>
-        <p:txBody>
-          <a:bodyPr/>
+        </p:nvPicPr>
+        <p:blipFill>
+          <a:blip r:embed="rId2">
+            <a:extLst>
+              <a:ext uri="{28A0092B-C50C-407E-A947-70E740481C1C}">
+                <a14:useLocalDpi xmlns:a14="http://schemas.microsoft.com/office/drawing/2010/main" val="0"/>
+              </a:ext>
+            </a:extLst>
+          </a:blip>
+          <a:srcRect t="188" b="188"/>
+          <a:stretch>
+            <a:fillRect/>
+          </a:stretch>
+        </p:blipFill>
+        <p:spPr>
+          <a:xfrm>
+            <a:off x="726141" y="1616516"/>
+            <a:ext cx="7691719" cy="4571999"/>
+          </a:xfrm>
+        </p:spPr>
+      </p:pic>
+      <p:sp>
+        <p:nvSpPr>
+          <p:cNvPr id="5" name="TextBox 4"/>
+          <p:cNvSpPr txBox="1"/>
+          <p:nvPr/>
+        </p:nvSpPr>
+        <p:spPr>
+          <a:xfrm>
+            <a:off x="726141" y="6292335"/>
+            <a:ext cx="2661719" cy="369332"/>
+          </a:xfrm>
+          <a:prstGeom prst="rect">
+            <a:avLst/>
+          </a:prstGeom>
+          <a:noFill/>
+        </p:spPr>
+        <p:txBody>
+          <a:bodyPr wrap="none" rtlCol="0">
+            <a:spAutoFit/>
+          </a:bodyPr>
           <a:lstStyle/>
           <a:p>
             <a:r>
               <a:rPr lang="en-US" dirty="0" smtClean="0"/>
-              <a:t>Android Development </a:t>
-            </a:r>
-            <a:r>
-              <a:rPr lang="en-US" dirty="0" smtClean="0">
-                <a:solidFill>
-                  <a:srgbClr val="D09A08"/>
-                </a:solidFill>
-              </a:rPr>
-              <a:t>Isn’t Easy</a:t>
-            </a:r>
-          </a:p>
-          <a:p>
-            <a:r>
-              <a:rPr lang="en-US" dirty="0" smtClean="0"/>
-              <a:t>Implementation takes </a:t>
-            </a:r>
-            <a:r>
-              <a:rPr lang="en-US" dirty="0" smtClean="0">
-                <a:solidFill>
-                  <a:srgbClr val="D09A08"/>
-                </a:solidFill>
-              </a:rPr>
-              <a:t>More</a:t>
-            </a:r>
-            <a:r>
-              <a:rPr lang="en-US" dirty="0" smtClean="0"/>
-              <a:t> </a:t>
-            </a:r>
-            <a:r>
-              <a:rPr lang="en-US" dirty="0" smtClean="0">
-                <a:solidFill>
-                  <a:srgbClr val="D09A08"/>
-                </a:solidFill>
-              </a:rPr>
-              <a:t>Time </a:t>
-            </a:r>
-            <a:r>
-              <a:rPr lang="en-US" dirty="0" smtClean="0">
-                <a:solidFill>
-                  <a:schemeClr val="tx1"/>
-                </a:solidFill>
-              </a:rPr>
-              <a:t>then you’d think</a:t>
-            </a:r>
-          </a:p>
-          <a:p>
-            <a:r>
-              <a:rPr lang="en-US" dirty="0" smtClean="0">
-                <a:solidFill>
-                  <a:schemeClr val="tx1"/>
-                </a:solidFill>
-              </a:rPr>
-              <a:t>Good planning and </a:t>
-            </a:r>
-            <a:r>
-              <a:rPr lang="en-US" dirty="0">
-                <a:solidFill>
-                  <a:schemeClr val="tx1"/>
-                </a:solidFill>
-              </a:rPr>
-              <a:t>documentation</a:t>
-            </a:r>
-            <a:r>
-              <a:rPr lang="en-US" dirty="0" smtClean="0">
-                <a:solidFill>
-                  <a:schemeClr val="tx1"/>
-                </a:solidFill>
-              </a:rPr>
-              <a:t> from Analysis and Design phases </a:t>
-            </a:r>
-            <a:r>
-              <a:rPr lang="en-US" dirty="0" smtClean="0">
-                <a:solidFill>
-                  <a:schemeClr val="accent2"/>
-                </a:solidFill>
-              </a:rPr>
-              <a:t>Help</a:t>
-            </a:r>
-            <a:r>
-              <a:rPr lang="en-US" dirty="0" smtClean="0">
-                <a:solidFill>
-                  <a:schemeClr val="tx1"/>
-                </a:solidFill>
-              </a:rPr>
-              <a:t> during implementation and Testing</a:t>
-            </a:r>
-          </a:p>
-          <a:p>
-            <a:r>
-              <a:rPr lang="en-US" dirty="0" smtClean="0">
-                <a:solidFill>
-                  <a:srgbClr val="000000"/>
-                </a:solidFill>
-              </a:rPr>
-              <a:t>Pair programming can be </a:t>
-            </a:r>
-            <a:r>
-              <a:rPr lang="en-US" dirty="0" smtClean="0">
-                <a:solidFill>
-                  <a:srgbClr val="D09A08"/>
-                </a:solidFill>
-              </a:rPr>
-              <a:t>Helpful </a:t>
-            </a:r>
-            <a:r>
-              <a:rPr lang="en-US" dirty="0" smtClean="0">
-                <a:solidFill>
-                  <a:schemeClr val="tx1"/>
-                </a:solidFill>
-              </a:rPr>
-              <a:t>for problem solving</a:t>
-            </a:r>
-          </a:p>
-          <a:p>
-            <a:r>
-              <a:rPr lang="en-US" dirty="0" smtClean="0">
-                <a:solidFill>
-                  <a:schemeClr val="tx1"/>
-                </a:solidFill>
-              </a:rPr>
-              <a:t>Working with a team is </a:t>
-            </a:r>
-            <a:r>
-              <a:rPr lang="en-US" dirty="0" smtClean="0">
-                <a:solidFill>
-                  <a:schemeClr val="accent2"/>
-                </a:solidFill>
-              </a:rPr>
-              <a:t>interesting</a:t>
-            </a:r>
-          </a:p>
-          <a:p>
-            <a:endParaRPr lang="en-US" dirty="0" smtClean="0">
-              <a:solidFill>
-                <a:schemeClr val="tx1"/>
-              </a:solidFill>
-            </a:endParaRPr>
-          </a:p>
-          <a:p>
-            <a:endParaRPr lang="en-US" dirty="0" smtClean="0"/>
+              <a:t>Current Database Design </a:t>
+            </a:r>
+            <a:endParaRPr lang="en-US" dirty="0"/>
           </a:p>
         </p:txBody>
       </p:sp>
     </p:spTree>
     <p:extLst>
       <p:ext uri="{BB962C8B-B14F-4D97-AF65-F5344CB8AC3E}">
-        <p14:creationId xmlns:p14="http://schemas.microsoft.com/office/powerpoint/2010/main" val="1369947332"/>
+        <p14:creationId xmlns:p14="http://schemas.microsoft.com/office/powerpoint/2010/main" val="2242258375"/>
       </p:ext>
     </p:extLst>
   </p:cSld>
   <p:clrMapOvr>
     <a:masterClrMapping/>
   </p:clrMapOvr>
-  <mc:AlternateContent xmlns:mc="http://schemas.openxmlformats.org/markup-compatibility/2006">
-    <mc:Choice xmlns:p14="http://schemas.microsoft.com/office/powerpoint/2010/main" Requires="p14">
+  <mc:AlternateContent xmlns:mc="http://schemas.openxmlformats.org/markup-compatibility/2006" xmlns:p14="http://schemas.microsoft.com/office/powerpoint/2010/main">
+    <mc:Choice Requires="p14">
       <p:transition spd="med" p14:dur="700">
         <p:fade/>
       </p:transition>
     </mc:Choice>
-    <mc:Fallback>
+    <mc:Fallback xmlns="">
       <p:transition xmlns:p14="http://schemas.microsoft.com/office/powerpoint/2010/main" spd="med">
         <p:fade/>
       </p:transition>
@@ -9256,7 +9563,7 @@
           <a:p>
             <a:r>
               <a:rPr lang="en-US" dirty="0" smtClean="0"/>
-              <a:t>We had to do it over?</a:t>
+              <a:t>Lessons Learned</a:t>
             </a:r>
             <a:endParaRPr lang="en-US" dirty="0"/>
           </a:p>
@@ -9272,14 +9579,19 @@
             <p:ph idx="1"/>
           </p:nvPr>
         </p:nvSpPr>
-        <p:spPr/>
+        <p:spPr>
+          <a:xfrm>
+            <a:off x="726141" y="1874466"/>
+            <a:ext cx="7691719" cy="4571999"/>
+          </a:xfrm>
+        </p:spPr>
         <p:txBody>
           <a:bodyPr/>
           <a:lstStyle/>
           <a:p>
             <a:r>
               <a:rPr lang="en-US" dirty="0" smtClean="0"/>
-              <a:t>We would do another </a:t>
+              <a:t>Android Development </a:t>
             </a:r>
             <a:r>
               <a:rPr lang="en-US" dirty="0" smtClean="0">
@@ -9287,57 +9599,135 @@
                   <a:srgbClr val="D09A08"/>
                 </a:solidFill>
               </a:rPr>
-              <a:t>Increment</a:t>
-            </a:r>
+              <a:t>Isn’t Easy</a:t>
+            </a:r>
+          </a:p>
+          <a:p>
             <a:r>
               <a:rPr lang="en-US" dirty="0" smtClean="0"/>
-              <a:t>!</a:t>
-            </a:r>
-          </a:p>
-          <a:p>
+              <a:t>Implementation takes </a:t>
+            </a:r>
+            <a:r>
+              <a:rPr lang="en-US" dirty="0" smtClean="0">
+                <a:solidFill>
+                  <a:srgbClr val="D09A08"/>
+                </a:solidFill>
+              </a:rPr>
+              <a:t>More</a:t>
+            </a:r>
             <a:r>
               <a:rPr lang="en-US" dirty="0" smtClean="0"/>
-              <a:t>Removal of Redundancies, DB</a:t>
-            </a:r>
-          </a:p>
-          <a:p>
-            <a:r>
-              <a:rPr lang="en-US" dirty="0" smtClean="0"/>
-              <a:t>“Look and Feel” Improvements</a:t>
-            </a:r>
-          </a:p>
-          <a:p>
-            <a:r>
-              <a:rPr lang="en-US" dirty="0" smtClean="0"/>
-              <a:t>Administrator Accounts &amp; Notification Use Cases</a:t>
-            </a:r>
-          </a:p>
-          <a:p>
-            <a:r>
-              <a:rPr lang="en-US" dirty="0" smtClean="0"/>
-              <a:t>Encryption </a:t>
-            </a:r>
-            <a:r>
-              <a:rPr lang="en-US" dirty="0"/>
-              <a:t>of </a:t>
-            </a:r>
-            <a:r>
-              <a:rPr lang="en-US" dirty="0" smtClean="0"/>
-              <a:t>Data</a:t>
-            </a:r>
-          </a:p>
-          <a:p>
-            <a:r>
-              <a:rPr lang="en-US" dirty="0" smtClean="0"/>
-              <a:t>Payment </a:t>
-            </a:r>
-            <a:r>
-              <a:rPr lang="en-US" dirty="0"/>
-              <a:t>Services</a:t>
-            </a:r>
-          </a:p>
-          <a:p>
-            <a:endParaRPr lang="en-US" dirty="0"/>
+              <a:t> </a:t>
+            </a:r>
+            <a:r>
+              <a:rPr lang="en-US" dirty="0" smtClean="0">
+                <a:solidFill>
+                  <a:srgbClr val="D09A08"/>
+                </a:solidFill>
+              </a:rPr>
+              <a:t>Time </a:t>
+            </a:r>
+            <a:r>
+              <a:rPr lang="en-US" dirty="0" smtClean="0">
+                <a:solidFill>
+                  <a:schemeClr val="tx1"/>
+                </a:solidFill>
+              </a:rPr>
+              <a:t>then you’d think</a:t>
+            </a:r>
+          </a:p>
+          <a:p>
+            <a:r>
+              <a:rPr lang="en-US" dirty="0" smtClean="0">
+                <a:solidFill>
+                  <a:schemeClr val="tx1"/>
+                </a:solidFill>
+              </a:rPr>
+              <a:t>Good planning and </a:t>
+            </a:r>
+            <a:r>
+              <a:rPr lang="en-US" dirty="0">
+                <a:solidFill>
+                  <a:schemeClr val="tx1"/>
+                </a:solidFill>
+              </a:rPr>
+              <a:t>documentation</a:t>
+            </a:r>
+            <a:r>
+              <a:rPr lang="en-US" dirty="0" smtClean="0">
+                <a:solidFill>
+                  <a:schemeClr val="tx1"/>
+                </a:solidFill>
+              </a:rPr>
+              <a:t> from Analysis and Design phases </a:t>
+            </a:r>
+            <a:r>
+              <a:rPr lang="en-US" dirty="0" smtClean="0">
+                <a:solidFill>
+                  <a:schemeClr val="accent2"/>
+                </a:solidFill>
+              </a:rPr>
+              <a:t>Help</a:t>
+            </a:r>
+            <a:r>
+              <a:rPr lang="en-US" dirty="0" smtClean="0">
+                <a:solidFill>
+                  <a:schemeClr val="tx1"/>
+                </a:solidFill>
+              </a:rPr>
+              <a:t> during implementation and Testing</a:t>
+            </a:r>
+          </a:p>
+          <a:p>
+            <a:r>
+              <a:rPr lang="en-US" dirty="0" smtClean="0">
+                <a:solidFill>
+                  <a:srgbClr val="000000"/>
+                </a:solidFill>
+              </a:rPr>
+              <a:t>Pair programming can be </a:t>
+            </a:r>
+            <a:r>
+              <a:rPr lang="en-US" dirty="0" smtClean="0">
+                <a:solidFill>
+                  <a:srgbClr val="D09A08"/>
+                </a:solidFill>
+              </a:rPr>
+              <a:t>Helpful </a:t>
+            </a:r>
+            <a:r>
+              <a:rPr lang="en-US" dirty="0" smtClean="0">
+                <a:solidFill>
+                  <a:schemeClr val="tx1"/>
+                </a:solidFill>
+              </a:rPr>
+              <a:t>for problem solving</a:t>
+            </a:r>
+          </a:p>
+          <a:p>
+            <a:r>
+              <a:rPr lang="en-US" dirty="0" smtClean="0">
+                <a:solidFill>
+                  <a:schemeClr val="tx1"/>
+                </a:solidFill>
+              </a:rPr>
+              <a:t>Working with a team is </a:t>
+            </a:r>
+            <a:r>
+              <a:rPr lang="en-US" dirty="0" smtClean="0">
+                <a:solidFill>
+                  <a:schemeClr val="accent2"/>
+                </a:solidFill>
+              </a:rPr>
+              <a:t>interesting</a:t>
+            </a:r>
+          </a:p>
+          <a:p>
+            <a:endParaRPr lang="en-US" dirty="0" smtClean="0">
+              <a:solidFill>
+                <a:schemeClr val="tx1"/>
+              </a:solidFill>
+            </a:endParaRPr>
           </a:p>
           <a:p>
             <a:endParaRPr lang="en-US" dirty="0" smtClean="0"/>
@@ -9347,20 +9737,20 @@
     </p:spTree>
     <p:extLst>
       <p:ext uri="{BB962C8B-B14F-4D97-AF65-F5344CB8AC3E}">
-        <p14:creationId xmlns:p14="http://schemas.microsoft.com/office/powerpoint/2010/main" val="1599647698"/>
+        <p14:creationId xmlns:p14="http://schemas.microsoft.com/office/powerpoint/2010/main" val="1369947332"/>
       </p:ext>
     </p:extLst>
   </p:cSld>
   <p:clrMapOvr>
     <a:masterClrMapping/>
   </p:clrMapOvr>
-  <mc:AlternateContent xmlns:mc="http://schemas.openxmlformats.org/markup-compatibility/2006">
-    <mc:Choice xmlns:p14="http://schemas.microsoft.com/office/powerpoint/2010/main" Requires="p14">
+  <mc:AlternateContent xmlns:mc="http://schemas.openxmlformats.org/markup-compatibility/2006" xmlns:p14="http://schemas.microsoft.com/office/powerpoint/2010/main">
+    <mc:Choice Requires="p14">
       <p:transition spd="med" p14:dur="700">
         <p:fade/>
       </p:transition>
     </mc:Choice>
-    <mc:Fallback>
+    <mc:Fallback xmlns="">
       <p:transition xmlns:p14="http://schemas.microsoft.com/office/powerpoint/2010/main" spd="med">
         <p:fade/>
       </p:transition>
@@ -9403,19 +9793,18 @@
             <p:ph type="title"/>
           </p:nvPr>
         </p:nvSpPr>
-        <p:spPr>
-          <a:xfrm>
-            <a:off x="726141" y="100056"/>
-            <a:ext cx="7691719" cy="1143000"/>
-          </a:xfrm>
-        </p:spPr>
+        <p:spPr/>
         <p:txBody>
           <a:bodyPr/>
           <a:lstStyle/>
           <a:p>
             <a:r>
               <a:rPr lang="en-US" dirty="0" smtClean="0"/>
-              <a:t>Our Github Repo</a:t>
+              <a:t>If there was more time</a:t>
+            </a:r>
+            <a:r>
+              <a:rPr lang="mr-IN" dirty="0" smtClean="0"/>
+              <a:t>…</a:t>
             </a:r>
             <a:endParaRPr lang="en-US" dirty="0"/>
           </a:p>
@@ -9433,6 +9822,395 @@
         </p:nvSpPr>
         <p:spPr>
           <a:xfrm>
+            <a:off x="726141" y="1874466"/>
+            <a:ext cx="7691719" cy="4571999"/>
+          </a:xfrm>
+        </p:spPr>
+        <p:txBody>
+          <a:bodyPr/>
+          <a:lstStyle/>
+          <a:p>
+            <a:r>
+              <a:rPr lang="en-US" dirty="0" smtClean="0"/>
+              <a:t>We would do another </a:t>
+            </a:r>
+            <a:r>
+              <a:rPr lang="en-US" dirty="0" smtClean="0">
+                <a:solidFill>
+                  <a:srgbClr val="D09A08"/>
+                </a:solidFill>
+              </a:rPr>
+              <a:t>Increment</a:t>
+            </a:r>
+            <a:r>
+              <a:rPr lang="en-US" dirty="0" smtClean="0"/>
+              <a:t>!</a:t>
+            </a:r>
+          </a:p>
+          <a:p>
+            <a:r>
+              <a:rPr lang="en-US" dirty="0" smtClean="0"/>
+              <a:t>Removal of Redundancies, DB</a:t>
+            </a:r>
+          </a:p>
+          <a:p>
+            <a:r>
+              <a:rPr lang="en-US" dirty="0" smtClean="0"/>
+              <a:t>“</a:t>
+            </a:r>
+            <a:r>
+              <a:rPr lang="en-US" dirty="0" smtClean="0">
+                <a:solidFill>
+                  <a:schemeClr val="accent2"/>
+                </a:solidFill>
+              </a:rPr>
+              <a:t>Look and Feel</a:t>
+            </a:r>
+            <a:r>
+              <a:rPr lang="en-US" dirty="0" smtClean="0"/>
+              <a:t>” Improvements</a:t>
+            </a:r>
+          </a:p>
+          <a:p>
+            <a:r>
+              <a:rPr lang="en-US" dirty="0" smtClean="0"/>
+              <a:t>Notify </a:t>
+            </a:r>
+            <a:r>
+              <a:rPr lang="en-US" dirty="0" smtClean="0"/>
+              <a:t>Use Cases</a:t>
+            </a:r>
+          </a:p>
+          <a:p>
+            <a:r>
+              <a:rPr lang="en-US" dirty="0" smtClean="0"/>
+              <a:t>Encryption </a:t>
+            </a:r>
+            <a:r>
+              <a:rPr lang="en-US" dirty="0"/>
+              <a:t>of </a:t>
+            </a:r>
+            <a:r>
+              <a:rPr lang="en-US" dirty="0" smtClean="0"/>
+              <a:t>Data</a:t>
+            </a:r>
+          </a:p>
+          <a:p>
+            <a:r>
+              <a:rPr lang="en-US" dirty="0" smtClean="0"/>
+              <a:t>Payment </a:t>
+            </a:r>
+            <a:r>
+              <a:rPr lang="en-US" dirty="0" smtClean="0"/>
+              <a:t>Services</a:t>
+            </a:r>
+          </a:p>
+          <a:p>
+            <a:r>
+              <a:rPr lang="en-US" dirty="0" smtClean="0"/>
+              <a:t>Open </a:t>
+            </a:r>
+            <a:r>
+              <a:rPr lang="en-US" dirty="0" smtClean="0">
+                <a:solidFill>
+                  <a:srgbClr val="D09A08"/>
+                </a:solidFill>
+              </a:rPr>
+              <a:t>Issues</a:t>
+            </a:r>
+            <a:endParaRPr lang="en-US" dirty="0">
+              <a:solidFill>
+                <a:srgbClr val="D09A08"/>
+              </a:solidFill>
+            </a:endParaRPr>
+          </a:p>
+          <a:p>
+            <a:endParaRPr lang="en-US" dirty="0"/>
+          </a:p>
+          <a:p>
+            <a:endParaRPr lang="en-US" dirty="0" smtClean="0"/>
+          </a:p>
+        </p:txBody>
+      </p:sp>
+    </p:spTree>
+    <p:extLst>
+      <p:ext uri="{BB962C8B-B14F-4D97-AF65-F5344CB8AC3E}">
+        <p14:creationId xmlns:p14="http://schemas.microsoft.com/office/powerpoint/2010/main" val="1599647698"/>
+      </p:ext>
+    </p:extLst>
+  </p:cSld>
+  <p:clrMapOvr>
+    <a:masterClrMapping/>
+  </p:clrMapOvr>
+  <mc:AlternateContent xmlns:mc="http://schemas.openxmlformats.org/markup-compatibility/2006" xmlns:p14="http://schemas.microsoft.com/office/powerpoint/2010/main">
+    <mc:Choice Requires="p14">
+      <p:transition spd="med" p14:dur="700">
+        <p:fade/>
+      </p:transition>
+    </mc:Choice>
+    <mc:Fallback xmlns="">
+      <p:transition xmlns:p14="http://schemas.microsoft.com/office/powerpoint/2010/main" spd="med">
+        <p:fade/>
+      </p:transition>
+    </mc:Fallback>
+  </mc:AlternateContent>
+  <p:timing>
+    <p:tnLst>
+      <p:par>
+        <p:cTn xmlns:p14="http://schemas.microsoft.com/office/powerpoint/2010/main" id="1" dur="indefinite" restart="never" nodeType="tmRoot"/>
+      </p:par>
+    </p:tnLst>
+  </p:timing>
+</p:sld>
+</file>
+
+<file path=ppt/slides/slide15.xml><?xml version="1.0" encoding="utf-8"?>
+<p:sld xmlns:a="http://schemas.openxmlformats.org/drawingml/2006/main" xmlns:r="http://schemas.openxmlformats.org/officeDocument/2006/relationships" xmlns:p="http://schemas.openxmlformats.org/presentationml/2006/main">
+  <p:cSld>
+    <p:spTree>
+      <p:nvGrpSpPr>
+        <p:cNvPr id="1" name=""/>
+        <p:cNvGrpSpPr/>
+        <p:nvPr/>
+      </p:nvGrpSpPr>
+      <p:grpSpPr>
+        <a:xfrm>
+          <a:off x="0" y="0"/>
+          <a:ext cx="0" cy="0"/>
+          <a:chOff x="0" y="0"/>
+          <a:chExt cx="0" cy="0"/>
+        </a:xfrm>
+      </p:grpSpPr>
+      <p:sp>
+        <p:nvSpPr>
+          <p:cNvPr id="2" name="Title 1"/>
+          <p:cNvSpPr>
+            <a:spLocks noGrp="1"/>
+          </p:cNvSpPr>
+          <p:nvPr>
+            <p:ph type="title"/>
+          </p:nvPr>
+        </p:nvSpPr>
+        <p:spPr/>
+        <p:txBody>
+          <a:bodyPr/>
+          <a:lstStyle/>
+          <a:p>
+            <a:r>
+              <a:rPr lang="en-US" dirty="0" smtClean="0"/>
+              <a:t>If we could do it Over?</a:t>
+            </a:r>
+            <a:endParaRPr lang="en-US" dirty="0"/>
+          </a:p>
+        </p:txBody>
+      </p:sp>
+      <p:sp>
+        <p:nvSpPr>
+          <p:cNvPr id="3" name="Content Placeholder 2"/>
+          <p:cNvSpPr>
+            <a:spLocks noGrp="1"/>
+          </p:cNvSpPr>
+          <p:nvPr>
+            <p:ph idx="1"/>
+          </p:nvPr>
+        </p:nvSpPr>
+        <p:spPr/>
+        <p:txBody>
+          <a:bodyPr/>
+          <a:lstStyle/>
+          <a:p>
+            <a:endParaRPr lang="en-US" dirty="0" smtClean="0">
+              <a:solidFill>
+                <a:schemeClr val="tx1"/>
+              </a:solidFill>
+            </a:endParaRPr>
+          </a:p>
+          <a:p>
+            <a:r>
+              <a:rPr lang="en-US" dirty="0" smtClean="0">
+                <a:solidFill>
+                  <a:schemeClr val="tx1"/>
+                </a:solidFill>
+              </a:rPr>
+              <a:t>We would focus more on </a:t>
+            </a:r>
+            <a:r>
+              <a:rPr lang="en-US" dirty="0" smtClean="0">
+                <a:solidFill>
+                  <a:srgbClr val="D09A08"/>
+                </a:solidFill>
+              </a:rPr>
+              <a:t>Database Design</a:t>
+            </a:r>
+            <a:endParaRPr lang="en-US" dirty="0" smtClean="0">
+              <a:solidFill>
+                <a:schemeClr val="tx1"/>
+              </a:solidFill>
+            </a:endParaRPr>
+          </a:p>
+          <a:p>
+            <a:r>
+              <a:rPr lang="en-US" dirty="0" smtClean="0">
+                <a:solidFill>
+                  <a:schemeClr val="tx1"/>
+                </a:solidFill>
+              </a:rPr>
+              <a:t>Structure and function of the Team </a:t>
+            </a:r>
+            <a:r>
+              <a:rPr lang="en-US" dirty="0" smtClean="0">
+                <a:solidFill>
+                  <a:schemeClr val="accent2"/>
+                </a:solidFill>
+              </a:rPr>
+              <a:t>wouldn’t Change</a:t>
+            </a:r>
+          </a:p>
+          <a:p>
+            <a:r>
+              <a:rPr lang="en-US" dirty="0" smtClean="0">
+                <a:solidFill>
+                  <a:schemeClr val="tx1"/>
+                </a:solidFill>
+              </a:rPr>
+              <a:t>We would play to each other’s </a:t>
+            </a:r>
+            <a:r>
+              <a:rPr lang="en-US" dirty="0" smtClean="0">
+                <a:solidFill>
+                  <a:srgbClr val="D09A08"/>
+                </a:solidFill>
+              </a:rPr>
+              <a:t>Strengths </a:t>
+            </a:r>
+          </a:p>
+          <a:p>
+            <a:r>
+              <a:rPr lang="en-US" dirty="0" smtClean="0">
+                <a:solidFill>
+                  <a:schemeClr val="tx1"/>
+                </a:solidFill>
+              </a:rPr>
+              <a:t>Look and Feel</a:t>
+            </a:r>
+          </a:p>
+          <a:p>
+            <a:r>
+              <a:rPr lang="en-US" dirty="0" smtClean="0">
+                <a:solidFill>
+                  <a:schemeClr val="tx1"/>
+                </a:solidFill>
+              </a:rPr>
+              <a:t>Allocate </a:t>
+            </a:r>
+            <a:r>
+              <a:rPr lang="en-US" dirty="0" smtClean="0">
+                <a:solidFill>
+                  <a:srgbClr val="D09A08"/>
+                </a:solidFill>
+              </a:rPr>
+              <a:t>more time </a:t>
+            </a:r>
+            <a:r>
+              <a:rPr lang="en-US" dirty="0" smtClean="0">
+                <a:solidFill>
+                  <a:schemeClr val="tx1"/>
+                </a:solidFill>
+              </a:rPr>
+              <a:t>for Implementation </a:t>
+            </a:r>
+          </a:p>
+        </p:txBody>
+      </p:sp>
+    </p:spTree>
+    <p:extLst>
+      <p:ext uri="{BB962C8B-B14F-4D97-AF65-F5344CB8AC3E}">
+        <p14:creationId xmlns:p14="http://schemas.microsoft.com/office/powerpoint/2010/main" val="4094086425"/>
+      </p:ext>
+    </p:extLst>
+  </p:cSld>
+  <p:clrMapOvr>
+    <a:masterClrMapping/>
+  </p:clrMapOvr>
+  <mc:AlternateContent xmlns:mc="http://schemas.openxmlformats.org/markup-compatibility/2006" xmlns:p14="http://schemas.microsoft.com/office/powerpoint/2010/main">
+    <mc:Choice Requires="p14">
+      <p:transition spd="med" p14:dur="700">
+        <p:fade/>
+      </p:transition>
+    </mc:Choice>
+    <mc:Fallback xmlns="">
+      <p:transition xmlns:p14="http://schemas.microsoft.com/office/powerpoint/2010/main" spd="med">
+        <p:fade/>
+      </p:transition>
+    </mc:Fallback>
+  </mc:AlternateContent>
+  <p:timing>
+    <p:tnLst>
+      <p:par>
+        <p:cTn xmlns:p14="http://schemas.microsoft.com/office/powerpoint/2010/main" id="1" dur="indefinite" restart="never" nodeType="tmRoot"/>
+      </p:par>
+    </p:tnLst>
+  </p:timing>
+</p:sld>
+</file>
+
+<file path=ppt/slides/slide16.xml><?xml version="1.0" encoding="utf-8"?>
+<p:sld xmlns:a="http://schemas.openxmlformats.org/drawingml/2006/main" xmlns:r="http://schemas.openxmlformats.org/officeDocument/2006/relationships" xmlns:p="http://schemas.openxmlformats.org/presentationml/2006/main">
+  <p:cSld>
+    <p:spTree>
+      <p:nvGrpSpPr>
+        <p:cNvPr id="1" name=""/>
+        <p:cNvGrpSpPr/>
+        <p:nvPr/>
+      </p:nvGrpSpPr>
+      <p:grpSpPr>
+        <a:xfrm>
+          <a:off x="0" y="0"/>
+          <a:ext cx="0" cy="0"/>
+          <a:chOff x="0" y="0"/>
+          <a:chExt cx="0" cy="0"/>
+        </a:xfrm>
+      </p:grpSpPr>
+      <p:sp>
+        <p:nvSpPr>
+          <p:cNvPr id="2" name="Title 1"/>
+          <p:cNvSpPr>
+            <a:spLocks noGrp="1"/>
+          </p:cNvSpPr>
+          <p:nvPr>
+            <p:ph type="title"/>
+          </p:nvPr>
+        </p:nvSpPr>
+        <p:spPr>
+          <a:xfrm>
+            <a:off x="726141" y="100056"/>
+            <a:ext cx="7691719" cy="1143000"/>
+          </a:xfrm>
+        </p:spPr>
+        <p:txBody>
+          <a:bodyPr/>
+          <a:lstStyle/>
+          <a:p>
+            <a:r>
+              <a:rPr lang="en-US" dirty="0" smtClean="0"/>
+              <a:t>Our Github Repo</a:t>
+            </a:r>
+            <a:endParaRPr lang="en-US" dirty="0"/>
+          </a:p>
+        </p:txBody>
+      </p:sp>
+      <p:sp>
+        <p:nvSpPr>
+          <p:cNvPr id="3" name="Content Placeholder 2"/>
+          <p:cNvSpPr>
+            <a:spLocks noGrp="1"/>
+          </p:cNvSpPr>
+          <p:nvPr>
+            <p:ph idx="1"/>
+          </p:nvPr>
+        </p:nvSpPr>
+        <p:spPr>
+          <a:xfrm>
             <a:off x="726141" y="1243056"/>
             <a:ext cx="7691719" cy="4571999"/>
           </a:xfrm>
@@ -9460,52 +10238,7 @@
                 </a:solidFill>
                 <a:hlinkClick r:id="rId2"/>
               </a:rPr>
-              <a:t>://</a:t>
-            </a:r>
-            <a:r>
-              <a:rPr lang="en-US" u="sng" dirty="0" err="1">
-                <a:solidFill>
-                  <a:srgbClr val="3366FF"/>
-                </a:solidFill>
-                <a:hlinkClick r:id="rId2"/>
-              </a:rPr>
-              <a:t>github.com</a:t>
-            </a:r>
-            <a:r>
-              <a:rPr lang="en-US" u="sng" dirty="0">
-                <a:solidFill>
-                  <a:srgbClr val="3366FF"/>
-                </a:solidFill>
-                <a:hlinkClick r:id="rId2"/>
-              </a:rPr>
-              <a:t>/</a:t>
-            </a:r>
-            <a:r>
-              <a:rPr lang="en-US" u="sng" dirty="0" err="1">
-                <a:solidFill>
-                  <a:srgbClr val="3366FF"/>
-                </a:solidFill>
-                <a:hlinkClick r:id="rId2"/>
-              </a:rPr>
-              <a:t>TaylorZaneKirk</a:t>
-            </a:r>
-            <a:r>
-              <a:rPr lang="en-US" u="sng" dirty="0">
-                <a:solidFill>
-                  <a:srgbClr val="3366FF"/>
-                </a:solidFill>
-                <a:hlinkClick r:id="rId2"/>
-              </a:rPr>
-              <a:t>/</a:t>
-            </a:r>
-            <a:r>
-              <a:rPr lang="en-US" u="sng" dirty="0" err="1">
-                <a:solidFill>
-                  <a:srgbClr val="3366FF"/>
-                </a:solidFill>
-                <a:hlinkClick r:id="rId2"/>
-              </a:rPr>
-              <a:t>Nimbus.io</a:t>
+              <a:t>://github.com/TaylorZaneKirk/Nimbus.io</a:t>
             </a:r>
             <a:endParaRPr lang="en-US" u="sng" dirty="0">
               <a:solidFill>
@@ -9555,13 +10288,13 @@
   <p:clrMapOvr>
     <a:masterClrMapping/>
   </p:clrMapOvr>
-  <mc:AlternateContent xmlns:mc="http://schemas.openxmlformats.org/markup-compatibility/2006">
-    <mc:Choice xmlns:p14="http://schemas.microsoft.com/office/powerpoint/2010/main" Requires="p14">
+  <mc:AlternateContent xmlns:mc="http://schemas.openxmlformats.org/markup-compatibility/2006" xmlns:p14="http://schemas.microsoft.com/office/powerpoint/2010/main">
+    <mc:Choice Requires="p14">
       <p:transition spd="med" p14:dur="700">
         <p:fade/>
       </p:transition>
     </mc:Choice>
-    <mc:Fallback>
+    <mc:Fallback xmlns="">
       <p:transition xmlns:p14="http://schemas.microsoft.com/office/powerpoint/2010/main" spd="med">
         <p:fade/>
       </p:transition>
@@ -9577,7 +10310,7 @@
 </p:sld>
 </file>
 
-<file path=ppt/slides/slide15.xml><?xml version="1.0" encoding="utf-8"?>
+<file path=ppt/slides/slide17.xml><?xml version="1.0" encoding="utf-8"?>
 <p:sld xmlns:a="http://schemas.openxmlformats.org/drawingml/2006/main" xmlns:r="http://schemas.openxmlformats.org/officeDocument/2006/relationships" xmlns:p="http://schemas.openxmlformats.org/presentationml/2006/main">
   <p:cSld>
     <p:spTree>
@@ -9716,13 +10449,13 @@
   <p:clrMapOvr>
     <a:masterClrMapping/>
   </p:clrMapOvr>
-  <mc:AlternateContent xmlns:mc="http://schemas.openxmlformats.org/markup-compatibility/2006">
-    <mc:Choice xmlns:p14="http://schemas.microsoft.com/office/powerpoint/2010/main" Requires="p14">
+  <mc:AlternateContent xmlns:mc="http://schemas.openxmlformats.org/markup-compatibility/2006" xmlns:p14="http://schemas.microsoft.com/office/powerpoint/2010/main">
+    <mc:Choice Requires="p14">
       <p:transition spd="med" p14:dur="700">
         <p:fade/>
       </p:transition>
     </mc:Choice>
-    <mc:Fallback>
+    <mc:Fallback xmlns="">
       <p:transition xmlns:p14="http://schemas.microsoft.com/office/powerpoint/2010/main" spd="med">
         <p:fade/>
       </p:transition>
@@ -9738,7 +10471,7 @@
 </p:sld>
 </file>
 
-<file path=ppt/slides/slide16.xml><?xml version="1.0" encoding="utf-8"?>
+<file path=ppt/slides/slide18.xml><?xml version="1.0" encoding="utf-8"?>
 <p:sld xmlns:a="http://schemas.openxmlformats.org/drawingml/2006/main" xmlns:r="http://schemas.openxmlformats.org/officeDocument/2006/relationships" xmlns:p="http://schemas.openxmlformats.org/presentationml/2006/main">
   <p:cSld>
     <p:spTree>
@@ -9962,13 +10695,13 @@
   <p:clrMapOvr>
     <a:masterClrMapping/>
   </p:clrMapOvr>
-  <mc:AlternateContent xmlns:mc="http://schemas.openxmlformats.org/markup-compatibility/2006">
-    <mc:Choice xmlns:p14="http://schemas.microsoft.com/office/powerpoint/2010/main" Requires="p14">
+  <mc:AlternateContent xmlns:mc="http://schemas.openxmlformats.org/markup-compatibility/2006" xmlns:p14="http://schemas.microsoft.com/office/powerpoint/2010/main">
+    <mc:Choice Requires="p14">
       <p:transition spd="med" p14:dur="700">
         <p:fade/>
       </p:transition>
     </mc:Choice>
-    <mc:Fallback>
+    <mc:Fallback xmlns="">
       <p:transition xmlns:p14="http://schemas.microsoft.com/office/powerpoint/2010/main" spd="med">
         <p:fade/>
       </p:transition>
@@ -10053,8 +10786,17 @@
           <a:p>
             <a:r>
               <a:rPr lang="en-US" dirty="0" smtClean="0"/>
-              <a:t>System Design Overview, Including changes </a:t>
-            </a:r>
+              <a:t>Brief System </a:t>
+            </a:r>
+            <a:r>
+              <a:rPr lang="en-US" dirty="0" smtClean="0"/>
+              <a:t>Design </a:t>
+            </a:r>
+            <a:r>
+              <a:rPr lang="en-US" dirty="0" smtClean="0"/>
+              <a:t>Overview</a:t>
+            </a:r>
+            <a:endParaRPr lang="en-US" dirty="0" smtClean="0"/>
           </a:p>
           <a:p>
             <a:r>
@@ -10105,13 +10847,13 @@
   <p:clrMapOvr>
     <a:masterClrMapping/>
   </p:clrMapOvr>
-  <mc:AlternateContent xmlns:mc="http://schemas.openxmlformats.org/markup-compatibility/2006">
-    <mc:Choice xmlns:p14="http://schemas.microsoft.com/office/powerpoint/2010/main" Requires="p14">
+  <mc:AlternateContent xmlns:mc="http://schemas.openxmlformats.org/markup-compatibility/2006" xmlns:p14="http://schemas.microsoft.com/office/powerpoint/2010/main">
+    <mc:Choice Requires="p14">
       <p:transition spd="med" p14:dur="700">
         <p:fade/>
       </p:transition>
     </mc:Choice>
-    <mc:Fallback>
+    <mc:Fallback xmlns="">
       <p:transition xmlns:p14="http://schemas.microsoft.com/office/powerpoint/2010/main" spd="med">
         <p:fade/>
       </p:transition>
@@ -10177,7 +10919,12 @@
             <p:ph idx="1"/>
           </p:nvPr>
         </p:nvSpPr>
-        <p:spPr/>
+        <p:spPr>
+          <a:xfrm>
+            <a:off x="726141" y="1904230"/>
+            <a:ext cx="7691719" cy="4571999"/>
+          </a:xfrm>
+        </p:spPr>
         <p:txBody>
           <a:bodyPr>
             <a:normAutofit/>
@@ -10203,11 +10950,7 @@
             </a:r>
             <a:r>
               <a:rPr lang="en-US" b="1" dirty="0" smtClean="0"/>
-              <a:t> Graduate, </a:t>
-            </a:r>
-            <a:r>
-              <a:rPr lang="en-US" b="1" dirty="0" smtClean="0"/>
-              <a:t>Designer, </a:t>
+              <a:t> Graduate, Designer, </a:t>
             </a:r>
             <a:r>
               <a:rPr lang="en-US" b="1" dirty="0" smtClean="0">
@@ -10234,11 +10977,7 @@
             </a:r>
             <a:r>
               <a:rPr lang="en-US" b="1" dirty="0" smtClean="0"/>
-              <a:t>Graduate, Documentation</a:t>
-            </a:r>
-            <a:r>
-              <a:rPr lang="en-US" b="1" dirty="0" smtClean="0"/>
-              <a:t>, Designer</a:t>
+              <a:t>Graduate, Documentation, Designer</a:t>
             </a:r>
             <a:endParaRPr lang="en-US" dirty="0"/>
           </a:p>
@@ -10254,11 +10993,7 @@
             </a:r>
             <a:r>
               <a:rPr lang="en-US" b="1" dirty="0" smtClean="0"/>
-              <a:t> Undergraduate, </a:t>
-            </a:r>
-            <a:r>
-              <a:rPr lang="en-US" b="1" dirty="0" smtClean="0"/>
-              <a:t>Database Programmer</a:t>
+              <a:t> Undergraduate, Database Programmer</a:t>
             </a:r>
             <a:endParaRPr lang="en-US" dirty="0"/>
           </a:p>
@@ -10333,13 +11068,13 @@
   <p:clrMapOvr>
     <a:masterClrMapping/>
   </p:clrMapOvr>
-  <mc:AlternateContent xmlns:mc="http://schemas.openxmlformats.org/markup-compatibility/2006">
-    <mc:Choice xmlns:p14="http://schemas.microsoft.com/office/powerpoint/2010/main" Requires="p14">
+  <mc:AlternateContent xmlns:mc="http://schemas.openxmlformats.org/markup-compatibility/2006" xmlns:p14="http://schemas.microsoft.com/office/powerpoint/2010/main">
+    <mc:Choice Requires="p14">
       <p:transition spd="med" p14:dur="700">
         <p:fade/>
       </p:transition>
     </mc:Choice>
-    <mc:Fallback>
+    <mc:Fallback xmlns="">
       <p:transition xmlns:p14="http://schemas.microsoft.com/office/powerpoint/2010/main" spd="med">
         <p:fade/>
       </p:transition>
@@ -10424,33 +11159,19 @@
             </a:r>
             <a:r>
               <a:rPr lang="en-US" dirty="0" smtClean="0"/>
-              <a:t>our teams </a:t>
+              <a:t>the team </a:t>
             </a:r>
             <a:r>
               <a:rPr lang="en-US" dirty="0" smtClean="0"/>
-              <a:t>need </a:t>
-            </a:r>
+              <a:t>need for through Requirements and Documentation </a:t>
+            </a:r>
+          </a:p>
+          <a:p>
+            <a:pPr algn="ctr"/>
             <a:r>
               <a:rPr lang="en-US" dirty="0" smtClean="0"/>
-              <a:t>for </a:t>
-            </a:r>
-            <a:r>
-              <a:rPr lang="en-US" dirty="0" smtClean="0"/>
-              <a:t>through Requirements and Documentation </a:t>
-            </a:r>
-            <a:endParaRPr lang="en-US" dirty="0" smtClean="0"/>
-          </a:p>
-          <a:p>
-            <a:pPr algn="ctr"/>
-            <a:r>
-              <a:rPr lang="en-US" dirty="0" smtClean="0"/>
-              <a:t>Provided “quick” </a:t>
-            </a:r>
-            <a:r>
-              <a:rPr lang="en-US" dirty="0" smtClean="0"/>
-              <a:t>delivery of initial product </a:t>
-            </a:r>
-            <a:endParaRPr lang="en-US" dirty="0" smtClean="0"/>
+              <a:t>Provided “quick” delivery of initial product </a:t>
+            </a:r>
           </a:p>
         </p:txBody>
       </p:sp>
@@ -10497,13 +11218,13 @@
   <p:clrMapOvr>
     <a:masterClrMapping/>
   </p:clrMapOvr>
-  <mc:AlternateContent xmlns:mc="http://schemas.openxmlformats.org/markup-compatibility/2006">
-    <mc:Choice xmlns:p14="http://schemas.microsoft.com/office/powerpoint/2010/main" Requires="p14">
+  <mc:AlternateContent xmlns:mc="http://schemas.openxmlformats.org/markup-compatibility/2006" xmlns:p14="http://schemas.microsoft.com/office/powerpoint/2010/main">
+    <mc:Choice Requires="p14">
       <p:transition spd="med" p14:dur="700">
         <p:fade/>
       </p:transition>
     </mc:Choice>
-    <mc:Fallback>
+    <mc:Fallback xmlns="">
       <p:transition xmlns:p14="http://schemas.microsoft.com/office/powerpoint/2010/main" spd="med">
         <p:fade/>
       </p:transition>
@@ -10604,13 +11325,13 @@
   <p:clrMapOvr>
     <a:masterClrMapping/>
   </p:clrMapOvr>
-  <mc:AlternateContent xmlns:mc="http://schemas.openxmlformats.org/markup-compatibility/2006">
-    <mc:Choice xmlns:p14="http://schemas.microsoft.com/office/powerpoint/2010/main" Requires="p14">
+  <mc:AlternateContent xmlns:mc="http://schemas.openxmlformats.org/markup-compatibility/2006" xmlns:p14="http://schemas.microsoft.com/office/powerpoint/2010/main">
+    <mc:Choice Requires="p14">
       <p:transition spd="med" p14:dur="700">
         <p:fade/>
       </p:transition>
     </mc:Choice>
-    <mc:Fallback>
+    <mc:Fallback xmlns="">
       <p:transition xmlns:p14="http://schemas.microsoft.com/office/powerpoint/2010/main" spd="med">
         <p:fade/>
       </p:transition>
@@ -10741,13 +11462,13 @@
   <p:clrMapOvr>
     <a:masterClrMapping/>
   </p:clrMapOvr>
-  <mc:AlternateContent xmlns:mc="http://schemas.openxmlformats.org/markup-compatibility/2006">
-    <mc:Choice xmlns:p14="http://schemas.microsoft.com/office/powerpoint/2010/main" Requires="p14">
+  <mc:AlternateContent xmlns:mc="http://schemas.openxmlformats.org/markup-compatibility/2006" xmlns:p14="http://schemas.microsoft.com/office/powerpoint/2010/main">
+    <mc:Choice Requires="p14">
       <p:transition spd="med" p14:dur="700">
         <p:fade/>
       </p:transition>
     </mc:Choice>
-    <mc:Fallback>
+    <mc:Fallback xmlns="">
       <p:transition xmlns:p14="http://schemas.microsoft.com/office/powerpoint/2010/main" spd="med">
         <p:fade/>
       </p:transition>
@@ -10866,13 +11587,13 @@
   <p:clrMapOvr>
     <a:masterClrMapping/>
   </p:clrMapOvr>
-  <mc:AlternateContent xmlns:mc="http://schemas.openxmlformats.org/markup-compatibility/2006">
-    <mc:Choice xmlns:p14="http://schemas.microsoft.com/office/powerpoint/2010/main" Requires="p14">
+  <mc:AlternateContent xmlns:mc="http://schemas.openxmlformats.org/markup-compatibility/2006" xmlns:p14="http://schemas.microsoft.com/office/powerpoint/2010/main">
+    <mc:Choice Requires="p14">
       <p:transition spd="med" p14:dur="700">
         <p:fade/>
       </p:transition>
     </mc:Choice>
-    <mc:Fallback>
+    <mc:Fallback xmlns="">
       <p:transition xmlns:p14="http://schemas.microsoft.com/office/powerpoint/2010/main" spd="med">
         <p:fade/>
       </p:transition>
@@ -10915,167 +11636,133 @@
             <p:ph type="title"/>
           </p:nvPr>
         </p:nvSpPr>
-        <p:spPr>
-          <a:xfrm>
-            <a:off x="726141" y="312481"/>
-            <a:ext cx="7691719" cy="1143000"/>
-          </a:xfrm>
-        </p:spPr>
+        <p:spPr/>
         <p:txBody>
           <a:bodyPr/>
           <a:lstStyle/>
           <a:p>
             <a:r>
               <a:rPr lang="en-US" dirty="0" smtClean="0"/>
-              <a:t>Testing Report / Issues</a:t>
+              <a:t>Overview</a:t>
             </a:r>
             <a:endParaRPr lang="en-US" dirty="0"/>
           </a:p>
         </p:txBody>
       </p:sp>
-      <p:pic>
-        <p:nvPicPr>
-          <p:cNvPr id="6" name="Picture 5" descr="Test Cycle.jpg"/>
-          <p:cNvPicPr>
-            <a:picLocks noChangeAspect="1"/>
-          </p:cNvPicPr>
-          <p:nvPr/>
-        </p:nvPicPr>
-        <p:blipFill>
-          <a:blip r:embed="rId2">
-            <a:extLst>
-              <a:ext uri="{28A0092B-C50C-407E-A947-70E740481C1C}">
-                <a14:useLocalDpi xmlns:a14="http://schemas.microsoft.com/office/drawing/2010/main" val="0"/>
-              </a:ext>
-            </a:extLst>
-          </a:blip>
-          <a:stretch>
-            <a:fillRect/>
-          </a:stretch>
-        </p:blipFill>
-        <p:spPr>
-          <a:xfrm>
-            <a:off x="2319092" y="4317804"/>
-            <a:ext cx="6098768" cy="2054322"/>
-          </a:xfrm>
-          <a:prstGeom prst="rect">
-            <a:avLst/>
-          </a:prstGeom>
-        </p:spPr>
-      </p:pic>
-      <p:sp>
-        <p:nvSpPr>
-          <p:cNvPr id="7" name="TextBox 6"/>
-          <p:cNvSpPr txBox="1"/>
-          <p:nvPr/>
-        </p:nvSpPr>
-        <p:spPr>
-          <a:xfrm>
-            <a:off x="6926083" y="6477001"/>
-            <a:ext cx="1491777" cy="369332"/>
-          </a:xfrm>
-          <a:prstGeom prst="rect">
-            <a:avLst/>
-          </a:prstGeom>
-          <a:noFill/>
-        </p:spPr>
-        <p:txBody>
-          <a:bodyPr wrap="none" rtlCol="0">
-            <a:spAutoFit/>
-          </a:bodyPr>
+      <p:sp>
+        <p:nvSpPr>
+          <p:cNvPr id="3" name="Content Placeholder 2"/>
+          <p:cNvSpPr>
+            <a:spLocks noGrp="1"/>
+          </p:cNvSpPr>
+          <p:nvPr>
+            <p:ph idx="1"/>
+          </p:nvPr>
+        </p:nvSpPr>
+        <p:spPr/>
+        <p:txBody>
+          <a:bodyPr/>
           <a:lstStyle/>
           <a:p>
             <a:r>
+              <a:rPr lang="en-US" dirty="0" smtClean="0">
+                <a:solidFill>
+                  <a:schemeClr val="bg1">
+                    <a:lumMod val="65000"/>
+                  </a:schemeClr>
+                </a:solidFill>
+              </a:rPr>
+              <a:t>Who We Are</a:t>
+            </a:r>
+          </a:p>
+          <a:p>
+            <a:r>
+              <a:rPr lang="en-US" dirty="0" smtClean="0">
+                <a:solidFill>
+                  <a:schemeClr val="bg1">
+                    <a:lumMod val="65000"/>
+                  </a:schemeClr>
+                </a:solidFill>
+              </a:rPr>
+              <a:t>Process Model Followed</a:t>
+            </a:r>
+          </a:p>
+          <a:p>
+            <a:r>
+              <a:rPr lang="en-US" dirty="0" smtClean="0">
+                <a:solidFill>
+                  <a:schemeClr val="bg1">
+                    <a:lumMod val="65000"/>
+                  </a:schemeClr>
+                </a:solidFill>
+              </a:rPr>
+              <a:t>Brief System </a:t>
+            </a:r>
+            <a:r>
+              <a:rPr lang="en-US" dirty="0" smtClean="0">
+                <a:solidFill>
+                  <a:schemeClr val="bg1">
+                    <a:lumMod val="65000"/>
+                  </a:schemeClr>
+                </a:solidFill>
+              </a:rPr>
+              <a:t>Design </a:t>
+            </a:r>
+            <a:r>
+              <a:rPr lang="en-US" dirty="0" smtClean="0">
+                <a:solidFill>
+                  <a:schemeClr val="bg1">
+                    <a:lumMod val="65000"/>
+                  </a:schemeClr>
+                </a:solidFill>
+              </a:rPr>
+              <a:t>Overview</a:t>
+            </a:r>
+            <a:endParaRPr lang="en-US" dirty="0" smtClean="0">
+              <a:solidFill>
+                <a:schemeClr val="bg1">
+                  <a:lumMod val="65000"/>
+                </a:schemeClr>
+              </a:solidFill>
+            </a:endParaRPr>
+          </a:p>
+          <a:p>
+            <a:r>
+              <a:rPr lang="en-US" dirty="0" smtClean="0">
+                <a:solidFill>
+                  <a:schemeClr val="bg1">
+                    <a:lumMod val="65000"/>
+                  </a:schemeClr>
+                </a:solidFill>
+              </a:rPr>
+              <a:t>Product Demo! </a:t>
+            </a:r>
+          </a:p>
+          <a:p>
+            <a:r>
               <a:rPr lang="en-US" dirty="0" smtClean="0"/>
-              <a:t>Testing Cycle</a:t>
-            </a:r>
-            <a:endParaRPr lang="en-US" dirty="0"/>
-          </a:p>
-        </p:txBody>
-      </p:sp>
-      <p:sp>
-        <p:nvSpPr>
-          <p:cNvPr id="8" name="TextBox 7"/>
-          <p:cNvSpPr txBox="1"/>
-          <p:nvPr/>
-        </p:nvSpPr>
-        <p:spPr>
-          <a:xfrm>
-            <a:off x="666611" y="1455481"/>
-            <a:ext cx="7558399" cy="2308324"/>
-          </a:xfrm>
-          <a:prstGeom prst="rect">
-            <a:avLst/>
-          </a:prstGeom>
-          <a:noFill/>
-        </p:spPr>
-        <p:txBody>
-          <a:bodyPr wrap="square" rtlCol="0">
-            <a:spAutoFit/>
-          </a:bodyPr>
-          <a:lstStyle/>
-          <a:p>
-            <a:pPr marL="285750" indent="-285750">
-              <a:buFont typeface="Wingdings" charset="2"/>
-              <a:buChar char="v"/>
-            </a:pPr>
+              <a:t>Testing </a:t>
+            </a:r>
             <a:r>
               <a:rPr lang="en-US" dirty="0" smtClean="0"/>
-              <a:t>Comments needed improvement (Validation: Code Review : Corrected)</a:t>
-            </a:r>
-          </a:p>
-          <a:p>
-            <a:pPr marL="285750" indent="-285750">
-              <a:buFont typeface="Wingdings" charset="2"/>
-              <a:buChar char="v"/>
-            </a:pPr>
-            <a:endParaRPr lang="en-US" dirty="0" smtClean="0"/>
-          </a:p>
-          <a:p>
-            <a:pPr marL="285750" indent="-285750">
-              <a:buFont typeface="Wingdings" charset="2"/>
-              <a:buChar char="v"/>
-            </a:pPr>
+              <a:t>Report</a:t>
+            </a:r>
+          </a:p>
+          <a:p>
             <a:r>
               <a:rPr lang="en-US" dirty="0" smtClean="0"/>
-              <a:t>Database wasn’t effectively organized (System Tests : Corrected) </a:t>
-            </a:r>
-          </a:p>
-          <a:p>
-            <a:endParaRPr lang="en-US" dirty="0" smtClean="0"/>
-          </a:p>
-          <a:p>
-            <a:pPr marL="285750" indent="-285750">
-              <a:buFont typeface="Wingdings" charset="2"/>
-              <a:buChar char="v"/>
-            </a:pPr>
+              <a:t>Discussion of </a:t>
+            </a:r>
             <a:r>
               <a:rPr lang="en-US" dirty="0" smtClean="0"/>
-              <a:t>4 (Validation : Outstanding)</a:t>
-            </a:r>
-          </a:p>
-          <a:p>
-            <a:pPr marL="285750" indent="-285750">
-              <a:buFont typeface="Wingdings" charset="2"/>
-              <a:buChar char="v"/>
-            </a:pPr>
-            <a:endParaRPr lang="en-US" dirty="0" smtClean="0"/>
-          </a:p>
-          <a:p>
-            <a:pPr marL="285750" indent="-285750">
-              <a:buFont typeface="Wingdings" charset="2"/>
-              <a:buChar char="v"/>
-            </a:pPr>
+              <a:t>Open Issues</a:t>
+            </a:r>
+          </a:p>
+          <a:p>
             <a:r>
               <a:rPr lang="en-US" dirty="0" smtClean="0"/>
-              <a:t>5 (Validation : Outstanding)</a:t>
-            </a:r>
-          </a:p>
-          <a:p>
-            <a:pPr marL="285750" indent="-285750">
-              <a:buFont typeface="Wingdings" charset="2"/>
-              <a:buChar char="v"/>
-            </a:pPr>
+              <a:t>Lessons Learned</a:t>
+            </a:r>
             <a:endParaRPr lang="en-US" dirty="0"/>
           </a:p>
         </p:txBody>
@@ -11083,20 +11770,20 @@
     </p:spTree>
     <p:extLst>
       <p:ext uri="{BB962C8B-B14F-4D97-AF65-F5344CB8AC3E}">
-        <p14:creationId xmlns:p14="http://schemas.microsoft.com/office/powerpoint/2010/main" val="228287763"/>
+        <p14:creationId xmlns:p14="http://schemas.microsoft.com/office/powerpoint/2010/main" val="2298457986"/>
       </p:ext>
     </p:extLst>
   </p:cSld>
   <p:clrMapOvr>
     <a:masterClrMapping/>
   </p:clrMapOvr>
-  <mc:AlternateContent xmlns:mc="http://schemas.openxmlformats.org/markup-compatibility/2006">
-    <mc:Choice xmlns:p14="http://schemas.microsoft.com/office/powerpoint/2010/main" Requires="p14">
+  <mc:AlternateContent xmlns:mc="http://schemas.openxmlformats.org/markup-compatibility/2006" xmlns:p14="http://schemas.microsoft.com/office/powerpoint/2010/main">
+    <mc:Choice Requires="p14">
       <p:transition spd="med" p14:dur="700">
         <p:fade/>
       </p:transition>
     </mc:Choice>
-    <mc:Fallback>
+    <mc:Fallback xmlns="">
       <p:transition xmlns:p14="http://schemas.microsoft.com/office/powerpoint/2010/main" spd="med">
         <p:fade/>
       </p:transition>
@@ -11139,177 +11826,287 @@
             <p:ph type="title"/>
           </p:nvPr>
         </p:nvSpPr>
-        <p:spPr/>
+        <p:spPr>
+          <a:xfrm>
+            <a:off x="726141" y="312481"/>
+            <a:ext cx="7691719" cy="1143000"/>
+          </a:xfrm>
+        </p:spPr>
         <p:txBody>
           <a:bodyPr/>
           <a:lstStyle/>
           <a:p>
             <a:r>
               <a:rPr lang="en-US" dirty="0" smtClean="0"/>
-              <a:t>Deployment Issues</a:t>
+              <a:t>Testing Report / Issues</a:t>
             </a:r>
             <a:endParaRPr lang="en-US" dirty="0"/>
           </a:p>
         </p:txBody>
       </p:sp>
-      <p:sp>
-        <p:nvSpPr>
-          <p:cNvPr id="3" name="Content Placeholder 2"/>
-          <p:cNvSpPr>
-            <a:spLocks noGrp="1"/>
-          </p:cNvSpPr>
-          <p:nvPr>
-            <p:ph idx="1"/>
-          </p:nvPr>
-        </p:nvSpPr>
-        <p:spPr/>
-        <p:txBody>
-          <a:bodyPr>
-            <a:normAutofit fontScale="92500" lnSpcReduction="10000"/>
+      <p:pic>
+        <p:nvPicPr>
+          <p:cNvPr id="6" name="Picture 5" descr="Test Cycle.jpg"/>
+          <p:cNvPicPr>
+            <a:picLocks noChangeAspect="1"/>
+          </p:cNvPicPr>
+          <p:nvPr/>
+        </p:nvPicPr>
+        <p:blipFill>
+          <a:blip r:embed="rId2">
+            <a:extLst>
+              <a:ext uri="{28A0092B-C50C-407E-A947-70E740481C1C}">
+                <a14:useLocalDpi xmlns:a14="http://schemas.microsoft.com/office/drawing/2010/main" val="0"/>
+              </a:ext>
+            </a:extLst>
+          </a:blip>
+          <a:stretch>
+            <a:fillRect/>
+          </a:stretch>
+        </p:blipFill>
+        <p:spPr>
+          <a:xfrm>
+            <a:off x="2319092" y="4430443"/>
+            <a:ext cx="6098768" cy="2054322"/>
+          </a:xfrm>
+          <a:prstGeom prst="rect">
+            <a:avLst/>
+          </a:prstGeom>
+        </p:spPr>
+      </p:pic>
+      <p:sp>
+        <p:nvSpPr>
+          <p:cNvPr id="7" name="TextBox 6"/>
+          <p:cNvSpPr txBox="1"/>
+          <p:nvPr/>
+        </p:nvSpPr>
+        <p:spPr>
+          <a:xfrm>
+            <a:off x="6926083" y="6477001"/>
+            <a:ext cx="1491777" cy="369332"/>
+          </a:xfrm>
+          <a:prstGeom prst="rect">
+            <a:avLst/>
+          </a:prstGeom>
+          <a:noFill/>
+        </p:spPr>
+        <p:txBody>
+          <a:bodyPr wrap="none" rtlCol="0">
+            <a:spAutoFit/>
           </a:bodyPr>
           <a:lstStyle/>
           <a:p>
-            <a:pPr marL="0" indent="0">
-              <a:buNone/>
+            <a:r>
+              <a:rPr lang="en-US" dirty="0" smtClean="0"/>
+              <a:t>Testing Cycle</a:t>
+            </a:r>
+            <a:endParaRPr lang="en-US" dirty="0"/>
+          </a:p>
+        </p:txBody>
+      </p:sp>
+      <p:sp>
+        <p:nvSpPr>
+          <p:cNvPr id="8" name="TextBox 7"/>
+          <p:cNvSpPr txBox="1"/>
+          <p:nvPr/>
+        </p:nvSpPr>
+        <p:spPr>
+          <a:xfrm>
+            <a:off x="666611" y="1524928"/>
+            <a:ext cx="7558399" cy="3139321"/>
+          </a:xfrm>
+          <a:prstGeom prst="rect">
+            <a:avLst/>
+          </a:prstGeom>
+          <a:noFill/>
+        </p:spPr>
+        <p:txBody>
+          <a:bodyPr wrap="square" rtlCol="0">
+            <a:spAutoFit/>
+          </a:bodyPr>
+          <a:lstStyle/>
+          <a:p>
+            <a:pPr marL="285750" indent="-285750">
+              <a:buFont typeface="Wingdings" charset="2"/>
+              <a:buChar char="v"/>
+            </a:pPr>
+            <a:r>
+              <a:rPr lang="en-US" dirty="0" smtClean="0"/>
+              <a:t>Comments needed improvement (</a:t>
+            </a:r>
+            <a:r>
+              <a:rPr lang="en-US" dirty="0" smtClean="0"/>
+              <a:t>Validation : </a:t>
+            </a:r>
+            <a:r>
+              <a:rPr lang="en-US" dirty="0" smtClean="0"/>
+              <a:t>Code Review : </a:t>
+            </a:r>
+            <a:r>
+              <a:rPr lang="en-US" dirty="0" smtClean="0">
+                <a:solidFill>
+                  <a:srgbClr val="008000"/>
+                </a:solidFill>
+              </a:rPr>
+              <a:t>Corrected</a:t>
+            </a:r>
+            <a:r>
+              <a:rPr lang="en-US" dirty="0" smtClean="0"/>
+              <a:t>)</a:t>
+            </a:r>
+          </a:p>
+          <a:p>
+            <a:pPr marL="285750" indent="-285750">
+              <a:buFont typeface="Wingdings" charset="2"/>
+              <a:buChar char="v"/>
             </a:pPr>
             <a:endParaRPr lang="en-US" dirty="0" smtClean="0"/>
           </a:p>
           <a:p>
+            <a:pPr marL="285750" indent="-285750">
+              <a:buFont typeface="Wingdings" charset="2"/>
+              <a:buChar char="v"/>
+            </a:pPr>
             <a:r>
               <a:rPr lang="en-US" dirty="0" smtClean="0"/>
-              <a:t>Database </a:t>
-            </a:r>
-            <a:r>
-              <a:rPr lang="en-US" dirty="0">
+              <a:t>Database wasn’t effectively organized (System Tests : </a:t>
+            </a:r>
+            <a:r>
+              <a:rPr lang="en-US" dirty="0" smtClean="0">
                 <a:solidFill>
-                  <a:srgbClr val="D09A08"/>
+                  <a:srgbClr val="008000"/>
                 </a:solidFill>
               </a:rPr>
-              <a:t>R</a:t>
+              <a:t>Corrected</a:t>
+            </a:r>
+            <a:r>
+              <a:rPr lang="en-US" dirty="0" smtClean="0"/>
+              <a:t>) </a:t>
+            </a:r>
+            <a:endParaRPr lang="en-US" dirty="0" smtClean="0"/>
+          </a:p>
+          <a:p>
+            <a:pPr marL="285750" indent="-285750">
+              <a:buFont typeface="Wingdings" charset="2"/>
+              <a:buChar char="v"/>
+            </a:pPr>
+            <a:endParaRPr lang="en-US" dirty="0" smtClean="0"/>
+          </a:p>
+          <a:p>
+            <a:pPr marL="285750" indent="-285750">
+              <a:buFont typeface="Wingdings" charset="2"/>
+              <a:buChar char="v"/>
+            </a:pPr>
+            <a:r>
+              <a:rPr lang="en-US" dirty="0" smtClean="0"/>
+              <a:t>Not Enough Information on Add Servers Page</a:t>
+            </a:r>
+            <a:r>
+              <a:rPr lang="en-US" dirty="0" smtClean="0"/>
+              <a:t> </a:t>
+            </a:r>
+            <a:r>
+              <a:rPr lang="en-US" dirty="0" smtClean="0"/>
+              <a:t>(Validation : </a:t>
             </a:r>
             <a:r>
               <a:rPr lang="en-US" dirty="0" smtClean="0">
                 <a:solidFill>
-                  <a:srgbClr val="D09A08"/>
+                  <a:srgbClr val="FF0000"/>
                 </a:solidFill>
               </a:rPr>
-              <a:t>equired </a:t>
-            </a:r>
-            <a:r>
-              <a:rPr lang="en-US" dirty="0">
+              <a:t>Outstanding</a:t>
+            </a:r>
+            <a:r>
+              <a:rPr lang="en-US" dirty="0" smtClean="0"/>
+              <a:t>)</a:t>
+            </a:r>
+          </a:p>
+          <a:p>
+            <a:pPr marL="285750" indent="-285750">
+              <a:buFont typeface="Wingdings" charset="2"/>
+              <a:buChar char="v"/>
+            </a:pPr>
+            <a:endParaRPr lang="en-US" dirty="0" smtClean="0"/>
+          </a:p>
+          <a:p>
+            <a:pPr marL="285750" indent="-285750">
+              <a:buFont typeface="Wingdings" charset="2"/>
+              <a:buChar char="v"/>
+            </a:pPr>
+            <a:r>
+              <a:rPr lang="en-US" dirty="0" smtClean="0"/>
+              <a:t>Pricing Does Not work Correctly </a:t>
+            </a:r>
+            <a:r>
+              <a:rPr lang="en-US" dirty="0" smtClean="0"/>
+              <a:t>(Validation : </a:t>
+            </a:r>
+            <a:r>
+              <a:rPr lang="en-US" dirty="0" smtClean="0">
                 <a:solidFill>
-                  <a:srgbClr val="D09A08"/>
+                  <a:srgbClr val="008000"/>
                 </a:solidFill>
               </a:rPr>
-              <a:t>R</a:t>
+              <a:t>Corrected</a:t>
+            </a:r>
+            <a:r>
+              <a:rPr lang="en-US" dirty="0" smtClean="0"/>
+              <a:t>)</a:t>
+            </a:r>
+          </a:p>
+          <a:p>
+            <a:pPr marL="285750" indent="-285750">
+              <a:buFont typeface="Wingdings" charset="2"/>
+              <a:buChar char="v"/>
+            </a:pPr>
+            <a:endParaRPr lang="en-US" dirty="0"/>
+          </a:p>
+          <a:p>
+            <a:pPr marL="285750" indent="-285750">
+              <a:buFont typeface="Wingdings" charset="2"/>
+              <a:buChar char="v"/>
+            </a:pPr>
+            <a:r>
+              <a:rPr lang="en-US" dirty="0" smtClean="0"/>
+              <a:t>Special Characters, Numbers accepted in First Name, Last name (Validation : </a:t>
             </a:r>
             <a:r>
               <a:rPr lang="en-US" dirty="0" smtClean="0">
                 <a:solidFill>
-                  <a:srgbClr val="D09A08"/>
+                  <a:srgbClr val="FF0000"/>
                 </a:solidFill>
               </a:rPr>
-              <a:t>edesign </a:t>
+              <a:t>Outstanding</a:t>
             </a:r>
             <a:r>
               <a:rPr lang="en-US" dirty="0" smtClean="0"/>
-              <a:t>during </a:t>
-            </a:r>
-            <a:r>
-              <a:rPr lang="en-US" dirty="0">
-                <a:solidFill>
-                  <a:srgbClr val="D09A08"/>
-                </a:solidFill>
-              </a:rPr>
-              <a:t>T</a:t>
-            </a:r>
-            <a:r>
-              <a:rPr lang="en-US" dirty="0" smtClean="0">
-                <a:solidFill>
-                  <a:srgbClr val="D09A08"/>
-                </a:solidFill>
-              </a:rPr>
-              <a:t>ime </a:t>
-            </a:r>
-            <a:r>
-              <a:rPr lang="en-US" dirty="0">
-                <a:solidFill>
-                  <a:srgbClr val="D09A08"/>
-                </a:solidFill>
-              </a:rPr>
-              <a:t>C</a:t>
-            </a:r>
-            <a:r>
-              <a:rPr lang="en-US" dirty="0" smtClean="0">
-                <a:solidFill>
-                  <a:srgbClr val="D09A08"/>
-                </a:solidFill>
-              </a:rPr>
-              <a:t>ritical</a:t>
-            </a:r>
-            <a:r>
-              <a:rPr lang="en-US" dirty="0" smtClean="0"/>
-              <a:t> implementation phase</a:t>
-            </a:r>
-          </a:p>
-          <a:p>
+              <a:t>)</a:t>
+            </a:r>
             <a:endParaRPr lang="en-US" dirty="0" smtClean="0"/>
           </a:p>
           <a:p>
-            <a:r>
-              <a:rPr lang="en-US" dirty="0"/>
-              <a:t>Underestimation of Database complexity caused </a:t>
-            </a:r>
-            <a:r>
-              <a:rPr lang="en-US" dirty="0" smtClean="0"/>
-              <a:t>delay</a:t>
-            </a:r>
-          </a:p>
-          <a:p>
-            <a:endParaRPr lang="en-US" dirty="0" smtClean="0"/>
-          </a:p>
-          <a:p>
-            <a:r>
-              <a:rPr lang="en-US" dirty="0" smtClean="0"/>
-              <a:t>In turn, Delayed </a:t>
-            </a:r>
-            <a:r>
-              <a:rPr lang="en-US" dirty="0"/>
-              <a:t>creation of </a:t>
-            </a:r>
-            <a:r>
-              <a:rPr lang="en-US" dirty="0" smtClean="0"/>
-              <a:t>some unit tests</a:t>
-            </a:r>
-          </a:p>
-          <a:p>
-            <a:pPr marL="0" indent="0">
-              <a:buNone/>
-            </a:pPr>
-            <a:r>
-              <a:rPr lang="en-US" dirty="0" smtClean="0"/>
-              <a:t> </a:t>
-            </a:r>
+            <a:endParaRPr lang="en-US" dirty="0"/>
           </a:p>
         </p:txBody>
       </p:sp>
     </p:spTree>
     <p:extLst>
       <p:ext uri="{BB962C8B-B14F-4D97-AF65-F5344CB8AC3E}">
-        <p14:creationId xmlns:p14="http://schemas.microsoft.com/office/powerpoint/2010/main" val="2616622213"/>
+        <p14:creationId xmlns:p14="http://schemas.microsoft.com/office/powerpoint/2010/main" val="228287763"/>
       </p:ext>
     </p:extLst>
   </p:cSld>
   <p:clrMapOvr>
     <a:masterClrMapping/>
   </p:clrMapOvr>
-  <mc:AlternateContent xmlns:mc="http://schemas.openxmlformats.org/markup-compatibility/2006">
-    <mc:Choice xmlns:p14="http://schemas.microsoft.com/office/powerpoint/2010/main" Requires="p14">
+  <mc:AlternateContent xmlns:mc="http://schemas.openxmlformats.org/markup-compatibility/2006" xmlns:p14="http://schemas.microsoft.com/office/powerpoint/2010/main">
+    <mc:Choice Requires="p14">
       <p:transition spd="med" p14:dur="700">
         <p:fade/>
       </p:transition>
     </mc:Choice>
-    <mc:Fallback>
+    <mc:Fallback xmlns="">
       <p:transition xmlns:p14="http://schemas.microsoft.com/office/powerpoint/2010/main" spd="med">
         <p:fade/>
       </p:transition>
@@ -11551,4 +12348,324 @@
   </a:objectDefaults>
   <a:extraClrSchemeLst/>
 </a:theme>
+</file>
+
+<file path=ppt/theme/theme2.xml><?xml version="1.0" encoding="utf-8"?>
+<a:theme xmlns:a="http://schemas.openxmlformats.org/drawingml/2006/main" name="Office Theme">
+  <a:themeElements>
+    <a:clrScheme name="Office">
+      <a:dk1>
+        <a:sysClr val="windowText" lastClr="000000"/>
+      </a:dk1>
+      <a:lt1>
+        <a:sysClr val="window" lastClr="FFFFFF"/>
+      </a:lt1>
+      <a:dk2>
+        <a:srgbClr val="1F497D"/>
+      </a:dk2>
+      <a:lt2>
+        <a:srgbClr val="EEECE1"/>
+      </a:lt2>
+      <a:accent1>
+        <a:srgbClr val="4F81BD"/>
+      </a:accent1>
+      <a:accent2>
+        <a:srgbClr val="C0504D"/>
+      </a:accent2>
+      <a:accent3>
+        <a:srgbClr val="9BBB59"/>
+      </a:accent3>
+      <a:accent4>
+        <a:srgbClr val="8064A2"/>
+      </a:accent4>
+      <a:accent5>
+        <a:srgbClr val="4BACC6"/>
+      </a:accent5>
+      <a:accent6>
+        <a:srgbClr val="F79646"/>
+      </a:accent6>
+      <a:hlink>
+        <a:srgbClr val="0000FF"/>
+      </a:hlink>
+      <a:folHlink>
+        <a:srgbClr val="800080"/>
+      </a:folHlink>
+    </a:clrScheme>
+    <a:fontScheme name="Office">
+      <a:majorFont>
+        <a:latin typeface="Calibri"/>
+        <a:ea typeface=""/>
+        <a:cs typeface=""/>
+        <a:font script="Jpan" typeface="ＭＳ Ｐゴシック"/>
+        <a:font script="Hang" typeface="맑은 고딕"/>
+        <a:font script="Hans" typeface="宋体"/>
+        <a:font script="Hant" typeface="新細明體"/>
+        <a:font script="Arab" typeface="Times New Roman"/>
+        <a:font script="Hebr" typeface="Times New Roman"/>
+        <a:font script="Thai" typeface="Angsana New"/>
+        <a:font script="Ethi" typeface="Nyala"/>
+        <a:font script="Beng" typeface="Vrinda"/>
+        <a:font script="Gujr" typeface="Shruti"/>
+        <a:font script="Khmr" typeface="MoolBoran"/>
+        <a:font script="Knda" typeface="Tunga"/>
+        <a:font script="Guru" typeface="Raavi"/>
+        <a:font script="Cans" typeface="Euphemia"/>
+        <a:font script="Cher" typeface="Plantagenet Cherokee"/>
+        <a:font script="Yiii" typeface="Microsoft Yi Baiti"/>
+        <a:font script="Tibt" typeface="Microsoft Himalaya"/>
+        <a:font script="Thaa" typeface="MV Boli"/>
+        <a:font script="Deva" typeface="Mangal"/>
+        <a:font script="Telu" typeface="Gautami"/>
+        <a:font script="Taml" typeface="Latha"/>
+        <a:font script="Syrc" typeface="Estrangelo Edessa"/>
+        <a:font script="Orya" typeface="Kalinga"/>
+        <a:font script="Mlym" typeface="Kartika"/>
+        <a:font script="Laoo" typeface="DokChampa"/>
+        <a:font script="Sinh" typeface="Iskoola Pota"/>
+        <a:font script="Mong" typeface="Mongolian Baiti"/>
+        <a:font script="Viet" typeface="Times New Roman"/>
+        <a:font script="Uigh" typeface="Microsoft Uighur"/>
+        <a:font script="Geor" typeface="Sylfaen"/>
+      </a:majorFont>
+      <a:minorFont>
+        <a:latin typeface="Calibri"/>
+        <a:ea typeface=""/>
+        <a:cs typeface=""/>
+        <a:font script="Jpan" typeface="ＭＳ Ｐゴシック"/>
+        <a:font script="Hang" typeface="맑은 고딕"/>
+        <a:font script="Hans" typeface="宋体"/>
+        <a:font script="Hant" typeface="新細明體"/>
+        <a:font script="Arab" typeface="Arial"/>
+        <a:font script="Hebr" typeface="Arial"/>
+        <a:font script="Thai" typeface="Cordia New"/>
+        <a:font script="Ethi" typeface="Nyala"/>
+        <a:font script="Beng" typeface="Vrinda"/>
+        <a:font script="Gujr" typeface="Shruti"/>
+        <a:font script="Khmr" typeface="DaunPenh"/>
+        <a:font script="Knda" typeface="Tunga"/>
+        <a:font script="Guru" typeface="Raavi"/>
+        <a:font script="Cans" typeface="Euphemia"/>
+        <a:font script="Cher" typeface="Plantagenet Cherokee"/>
+        <a:font script="Yiii" typeface="Microsoft Yi Baiti"/>
+        <a:font script="Tibt" typeface="Microsoft Himalaya"/>
+        <a:font script="Thaa" typeface="MV Boli"/>
+        <a:font script="Deva" typeface="Mangal"/>
+        <a:font script="Telu" typeface="Gautami"/>
+        <a:font script="Taml" typeface="Latha"/>
+        <a:font script="Syrc" typeface="Estrangelo Edessa"/>
+        <a:font script="Orya" typeface="Kalinga"/>
+        <a:font script="Mlym" typeface="Kartika"/>
+        <a:font script="Laoo" typeface="DokChampa"/>
+        <a:font script="Sinh" typeface="Iskoola Pota"/>
+        <a:font script="Mong" typeface="Mongolian Baiti"/>
+        <a:font script="Viet" typeface="Arial"/>
+        <a:font script="Uigh" typeface="Microsoft Uighur"/>
+        <a:font script="Geor" typeface="Sylfaen"/>
+      </a:minorFont>
+    </a:fontScheme>
+    <a:fmtScheme name="Office">
+      <a:fillStyleLst>
+        <a:solidFill>
+          <a:schemeClr val="phClr"/>
+        </a:solidFill>
+        <a:gradFill rotWithShape="1">
+          <a:gsLst>
+            <a:gs pos="0">
+              <a:schemeClr val="phClr">
+                <a:tint val="50000"/>
+                <a:satMod val="300000"/>
+              </a:schemeClr>
+            </a:gs>
+            <a:gs pos="35000">
+              <a:schemeClr val="phClr">
+                <a:tint val="37000"/>
+                <a:satMod val="300000"/>
+              </a:schemeClr>
+            </a:gs>
+            <a:gs pos="100000">
+              <a:schemeClr val="phClr">
+                <a:tint val="15000"/>
+                <a:satMod val="350000"/>
+              </a:schemeClr>
+            </a:gs>
+          </a:gsLst>
+          <a:lin ang="16200000" scaled="1"/>
+        </a:gradFill>
+        <a:gradFill rotWithShape="1">
+          <a:gsLst>
+            <a:gs pos="0">
+              <a:schemeClr val="phClr">
+                <a:tint val="100000"/>
+                <a:shade val="100000"/>
+                <a:satMod val="130000"/>
+              </a:schemeClr>
+            </a:gs>
+            <a:gs pos="100000">
+              <a:schemeClr val="phClr">
+                <a:tint val="50000"/>
+                <a:shade val="100000"/>
+                <a:satMod val="350000"/>
+              </a:schemeClr>
+            </a:gs>
+          </a:gsLst>
+          <a:lin ang="16200000" scaled="0"/>
+        </a:gradFill>
+      </a:fillStyleLst>
+      <a:lnStyleLst>
+        <a:ln w="9525" cap="flat" cmpd="sng" algn="ctr">
+          <a:solidFill>
+            <a:schemeClr val="phClr">
+              <a:shade val="95000"/>
+              <a:satMod val="105000"/>
+            </a:schemeClr>
+          </a:solidFill>
+          <a:prstDash val="solid"/>
+        </a:ln>
+        <a:ln w="25400" cap="flat" cmpd="sng" algn="ctr">
+          <a:solidFill>
+            <a:schemeClr val="phClr"/>
+          </a:solidFill>
+          <a:prstDash val="solid"/>
+        </a:ln>
+        <a:ln w="38100" cap="flat" cmpd="sng" algn="ctr">
+          <a:solidFill>
+            <a:schemeClr val="phClr"/>
+          </a:solidFill>
+          <a:prstDash val="solid"/>
+        </a:ln>
+      </a:lnStyleLst>
+      <a:effectStyleLst>
+        <a:effectStyle>
+          <a:effectLst>
+            <a:outerShdw blurRad="40000" dist="20000" dir="5400000" rotWithShape="0">
+              <a:srgbClr val="000000">
+                <a:alpha val="38000"/>
+              </a:srgbClr>
+            </a:outerShdw>
+          </a:effectLst>
+        </a:effectStyle>
+        <a:effectStyle>
+          <a:effectLst>
+            <a:outerShdw blurRad="40000" dist="23000" dir="5400000" rotWithShape="0">
+              <a:srgbClr val="000000">
+                <a:alpha val="35000"/>
+              </a:srgbClr>
+            </a:outerShdw>
+          </a:effectLst>
+        </a:effectStyle>
+        <a:effectStyle>
+          <a:effectLst>
+            <a:outerShdw blurRad="40000" dist="23000" dir="5400000" rotWithShape="0">
+              <a:srgbClr val="000000">
+                <a:alpha val="35000"/>
+              </a:srgbClr>
+            </a:outerShdw>
+          </a:effectLst>
+          <a:scene3d>
+            <a:camera prst="orthographicFront">
+              <a:rot lat="0" lon="0" rev="0"/>
+            </a:camera>
+            <a:lightRig rig="threePt" dir="t">
+              <a:rot lat="0" lon="0" rev="1200000"/>
+            </a:lightRig>
+          </a:scene3d>
+          <a:sp3d>
+            <a:bevelT w="63500" h="25400"/>
+          </a:sp3d>
+        </a:effectStyle>
+      </a:effectStyleLst>
+      <a:bgFillStyleLst>
+        <a:solidFill>
+          <a:schemeClr val="phClr"/>
+        </a:solidFill>
+        <a:gradFill rotWithShape="1">
+          <a:gsLst>
+            <a:gs pos="0">
+              <a:schemeClr val="phClr">
+                <a:tint val="40000"/>
+                <a:satMod val="350000"/>
+              </a:schemeClr>
+            </a:gs>
+            <a:gs pos="40000">
+              <a:schemeClr val="phClr">
+                <a:tint val="45000"/>
+                <a:shade val="99000"/>
+                <a:satMod val="350000"/>
+              </a:schemeClr>
+            </a:gs>
+            <a:gs pos="100000">
+              <a:schemeClr val="phClr">
+                <a:shade val="20000"/>
+                <a:satMod val="255000"/>
+              </a:schemeClr>
+            </a:gs>
+          </a:gsLst>
+          <a:path path="circle">
+            <a:fillToRect l="50000" t="-80000" r="50000" b="180000"/>
+          </a:path>
+        </a:gradFill>
+        <a:gradFill rotWithShape="1">
+          <a:gsLst>
+            <a:gs pos="0">
+              <a:schemeClr val="phClr">
+                <a:tint val="80000"/>
+                <a:satMod val="300000"/>
+              </a:schemeClr>
+            </a:gs>
+            <a:gs pos="100000">
+              <a:schemeClr val="phClr">
+                <a:shade val="30000"/>
+                <a:satMod val="200000"/>
+              </a:schemeClr>
+            </a:gs>
+          </a:gsLst>
+          <a:path path="circle">
+            <a:fillToRect l="50000" t="50000" r="50000" b="50000"/>
+          </a:path>
+        </a:gradFill>
+      </a:bgFillStyleLst>
+    </a:fmtScheme>
+  </a:themeElements>
+  <a:objectDefaults>
+    <a:spDef>
+      <a:spPr/>
+      <a:bodyPr/>
+      <a:lstStyle/>
+      <a:style>
+        <a:lnRef idx="1">
+          <a:schemeClr val="accent1"/>
+        </a:lnRef>
+        <a:fillRef idx="3">
+          <a:schemeClr val="accent1"/>
+        </a:fillRef>
+        <a:effectRef idx="2">
+          <a:schemeClr val="accent1"/>
+        </a:effectRef>
+        <a:fontRef idx="minor">
+          <a:schemeClr val="lt1"/>
+        </a:fontRef>
+      </a:style>
+    </a:spDef>
+    <a:lnDef>
+      <a:spPr/>
+      <a:bodyPr/>
+      <a:lstStyle/>
+      <a:style>
+        <a:lnRef idx="2">
+          <a:schemeClr val="accent1"/>
+        </a:lnRef>
+        <a:fillRef idx="0">
+          <a:schemeClr val="accent1"/>
+        </a:fillRef>
+        <a:effectRef idx="1">
+          <a:schemeClr val="accent1"/>
+        </a:effectRef>
+        <a:fontRef idx="minor">
+          <a:schemeClr val="tx1"/>
+        </a:fontRef>
+      </a:style>
+    </a:lnDef>
+  </a:objectDefaults>
+  <a:extraClrSchemeLst/>
+</a:theme>
 </file>